--- a/wedelljd/Capstone/Capstone Presentation.pptx
+++ b/wedelljd/Capstone/Capstone Presentation.pptx
@@ -19,6 +19,8 @@
     <p:sldId id="269" r:id="rId13"/>
     <p:sldId id="270" r:id="rId14"/>
     <p:sldId id="258" r:id="rId15"/>
+    <p:sldId id="275" r:id="rId16"/>
+    <p:sldId id="276" r:id="rId17"/>
   </p:sldIdLst>
   <p:sldSz cx="12192000" cy="6858000"/>
   <p:notesSz cx="6858000" cy="9144000"/>
@@ -798,7 +800,7 @@
               </a:defRPr>
             </a:pPr>
             <a:r>
-              <a:rPr lang="en-US"/>
+              <a:rPr lang="en-US" dirty="0"/>
               <a:t>Attribute Correlation for Female Decisions</a:t>
             </a:r>
           </a:p>
@@ -1116,20 +1118,6 @@
         </c:scaling>
         <c:delete val="0"/>
         <c:axPos val="l"/>
-        <c:majorGridlines>
-          <c:spPr>
-            <a:ln w="9525" cap="flat" cmpd="sng" algn="ctr">
-              <a:solidFill>
-                <a:schemeClr val="lt1">
-                  <a:lumMod val="95000"/>
-                  <a:alpha val="10000"/>
-                </a:schemeClr>
-              </a:solidFill>
-              <a:round/>
-            </a:ln>
-            <a:effectLst/>
-          </c:spPr>
-        </c:majorGridlines>
         <c:numFmt formatCode="0.00" sourceLinked="1"/>
         <c:majorTickMark val="none"/>
         <c:minorTickMark val="none"/>
@@ -1738,6 +1726,986 @@
 </c:chartSpace>
 </file>
 
+<file path=ppt/charts/chart4.xml><?xml version="1.0" encoding="utf-8"?>
+<c:chartSpace xmlns:c="http://schemas.openxmlformats.org/drawingml/2006/chart" xmlns:a="http://schemas.openxmlformats.org/drawingml/2006/main" xmlns:r="http://schemas.openxmlformats.org/officeDocument/2006/relationships" xmlns:c16r2="http://schemas.microsoft.com/office/drawing/2015/06/chart">
+  <c:date1904 val="0"/>
+  <c:lang val="en-US"/>
+  <c:roundedCorners val="0"/>
+  <mc:AlternateContent xmlns:mc="http://schemas.openxmlformats.org/markup-compatibility/2006">
+    <mc:Choice xmlns:c14="http://schemas.microsoft.com/office/drawing/2007/8/2/chart" Requires="c14">
+      <c14:style val="102"/>
+    </mc:Choice>
+    <mc:Fallback>
+      <c:style val="2"/>
+    </mc:Fallback>
+  </mc:AlternateContent>
+  <c:chart>
+    <c:title>
+      <c:tx>
+        <c:rich>
+          <a:bodyPr rot="0" spcFirstLastPara="1" vertOverflow="ellipsis" vert="horz" wrap="square" anchor="ctr" anchorCtr="1"/>
+          <a:lstStyle/>
+          <a:p>
+            <a:pPr>
+              <a:defRPr sz="2128" b="1" i="0" u="none" strike="noStrike" kern="1200" spc="100" baseline="0">
+                <a:solidFill>
+                  <a:schemeClr val="lt1">
+                    <a:lumMod val="95000"/>
+                  </a:schemeClr>
+                </a:solidFill>
+                <a:effectLst>
+                  <a:outerShdw blurRad="50800" dist="38100" dir="5400000" algn="t" rotWithShape="0">
+                    <a:prstClr val="black">
+                      <a:alpha val="40000"/>
+                    </a:prstClr>
+                  </a:outerShdw>
+                </a:effectLst>
+                <a:latin typeface="+mn-lt"/>
+                <a:ea typeface="+mn-ea"/>
+                <a:cs typeface="+mn-cs"/>
+              </a:defRPr>
+            </a:pPr>
+            <a:r>
+              <a:rPr lang="en-US"/>
+              <a:t>Attribute Correlation for Female Decisions</a:t>
+            </a:r>
+          </a:p>
+        </c:rich>
+      </c:tx>
+      <c:overlay val="0"/>
+      <c:spPr>
+        <a:noFill/>
+        <a:ln>
+          <a:noFill/>
+        </a:ln>
+        <a:effectLst/>
+      </c:spPr>
+      <c:txPr>
+        <a:bodyPr rot="0" spcFirstLastPara="1" vertOverflow="ellipsis" vert="horz" wrap="square" anchor="ctr" anchorCtr="1"/>
+        <a:lstStyle/>
+        <a:p>
+          <a:pPr>
+            <a:defRPr sz="2128" b="1" i="0" u="none" strike="noStrike" kern="1200" spc="100" baseline="0">
+              <a:solidFill>
+                <a:schemeClr val="lt1">
+                  <a:lumMod val="95000"/>
+                </a:schemeClr>
+              </a:solidFill>
+              <a:effectLst>
+                <a:outerShdw blurRad="50800" dist="38100" dir="5400000" algn="t" rotWithShape="0">
+                  <a:prstClr val="black">
+                    <a:alpha val="40000"/>
+                  </a:prstClr>
+                </a:outerShdw>
+              </a:effectLst>
+              <a:latin typeface="+mn-lt"/>
+              <a:ea typeface="+mn-ea"/>
+              <a:cs typeface="+mn-cs"/>
+            </a:defRPr>
+          </a:pPr>
+          <a:endParaRPr lang="en-US"/>
+        </a:p>
+      </c:txPr>
+    </c:title>
+    <c:autoTitleDeleted val="0"/>
+    <c:plotArea>
+      <c:layout/>
+      <c:barChart>
+        <c:barDir val="col"/>
+        <c:grouping val="clustered"/>
+        <c:varyColors val="0"/>
+        <c:ser>
+          <c:idx val="0"/>
+          <c:order val="0"/>
+          <c:tx>
+            <c:strRef>
+              <c:f>'limited v extensive choice fema'!$A$9</c:f>
+              <c:strCache>
+                <c:ptCount val="1"/>
+                <c:pt idx="0">
+                  <c:v>Extensive Choice</c:v>
+                </c:pt>
+              </c:strCache>
+            </c:strRef>
+          </c:tx>
+          <c:spPr>
+            <a:gradFill rotWithShape="1">
+              <a:gsLst>
+                <a:gs pos="0">
+                  <a:schemeClr val="accent1">
+                    <a:tint val="98000"/>
+                    <a:lumMod val="114000"/>
+                  </a:schemeClr>
+                </a:gs>
+                <a:gs pos="100000">
+                  <a:schemeClr val="accent1">
+                    <a:shade val="90000"/>
+                    <a:lumMod val="84000"/>
+                  </a:schemeClr>
+                </a:gs>
+              </a:gsLst>
+              <a:lin ang="5400000" scaled="0"/>
+            </a:gradFill>
+            <a:ln>
+              <a:noFill/>
+            </a:ln>
+            <a:effectLst>
+              <a:outerShdw blurRad="63500" dist="38100" dir="5400000" rotWithShape="0">
+                <a:srgbClr val="000000">
+                  <a:alpha val="60000"/>
+                </a:srgbClr>
+              </a:outerShdw>
+            </a:effectLst>
+            <a:scene3d>
+              <a:camera prst="orthographicFront">
+                <a:rot lat="0" lon="0" rev="0"/>
+              </a:camera>
+              <a:lightRig rig="threePt" dir="tl"/>
+            </a:scene3d>
+            <a:sp3d prstMaterial="plastic">
+              <a:bevelT w="0" h="0"/>
+            </a:sp3d>
+          </c:spPr>
+          <c:invertIfNegative val="0"/>
+          <c:cat>
+            <c:strRef>
+              <c:f>'limited v extensive choice fema'!$B$8:$E$8</c:f>
+              <c:strCache>
+                <c:ptCount val="4"/>
+                <c:pt idx="0">
+                  <c:v>Partner Attractiveness Rating</c:v>
+                </c:pt>
+                <c:pt idx="1">
+                  <c:v>Partner Shared Interest Rating</c:v>
+                </c:pt>
+                <c:pt idx="2">
+                  <c:v>Partner Fun Rating</c:v>
+                </c:pt>
+                <c:pt idx="3">
+                  <c:v>Partner Intelligence Rating</c:v>
+                </c:pt>
+              </c:strCache>
+            </c:strRef>
+          </c:cat>
+          <c:val>
+            <c:numRef>
+              <c:f>'limited v extensive choice fema'!$B$9:$E$9</c:f>
+              <c:numCache>
+                <c:formatCode>0.00</c:formatCode>
+                <c:ptCount val="4"/>
+                <c:pt idx="0">
+                  <c:v>0.461007</c:v>
+                </c:pt>
+                <c:pt idx="1">
+                  <c:v>0.43925900000000001</c:v>
+                </c:pt>
+                <c:pt idx="2">
+                  <c:v>0.43168000000000001</c:v>
+                </c:pt>
+                <c:pt idx="3">
+                  <c:v>0.25034200000000001</c:v>
+                </c:pt>
+              </c:numCache>
+            </c:numRef>
+          </c:val>
+          <c:extLst>
+            <c:ext xmlns:c16="http://schemas.microsoft.com/office/drawing/2014/chart" uri="{C3380CC4-5D6E-409C-BE32-E72D297353CC}">
+              <c16:uniqueId val="{00000000-AE2F-4510-A75B-1DD1EF6BA034}"/>
+            </c:ext>
+          </c:extLst>
+        </c:ser>
+        <c:ser>
+          <c:idx val="1"/>
+          <c:order val="1"/>
+          <c:tx>
+            <c:strRef>
+              <c:f>'limited v extensive choice fema'!$A$10</c:f>
+              <c:strCache>
+                <c:ptCount val="1"/>
+                <c:pt idx="0">
+                  <c:v>Limited Choice</c:v>
+                </c:pt>
+              </c:strCache>
+            </c:strRef>
+          </c:tx>
+          <c:spPr>
+            <a:gradFill rotWithShape="1">
+              <a:gsLst>
+                <a:gs pos="0">
+                  <a:schemeClr val="accent2">
+                    <a:tint val="98000"/>
+                    <a:lumMod val="114000"/>
+                  </a:schemeClr>
+                </a:gs>
+                <a:gs pos="100000">
+                  <a:schemeClr val="accent2">
+                    <a:shade val="90000"/>
+                    <a:lumMod val="84000"/>
+                  </a:schemeClr>
+                </a:gs>
+              </a:gsLst>
+              <a:lin ang="5400000" scaled="0"/>
+            </a:gradFill>
+            <a:ln>
+              <a:noFill/>
+            </a:ln>
+            <a:effectLst>
+              <a:outerShdw blurRad="63500" dist="38100" dir="5400000" rotWithShape="0">
+                <a:srgbClr val="000000">
+                  <a:alpha val="60000"/>
+                </a:srgbClr>
+              </a:outerShdw>
+            </a:effectLst>
+            <a:scene3d>
+              <a:camera prst="orthographicFront">
+                <a:rot lat="0" lon="0" rev="0"/>
+              </a:camera>
+              <a:lightRig rig="threePt" dir="tl"/>
+            </a:scene3d>
+            <a:sp3d prstMaterial="plastic">
+              <a:bevelT w="0" h="0"/>
+            </a:sp3d>
+          </c:spPr>
+          <c:invertIfNegative val="0"/>
+          <c:cat>
+            <c:strRef>
+              <c:f>'limited v extensive choice fema'!$B$8:$E$8</c:f>
+              <c:strCache>
+                <c:ptCount val="4"/>
+                <c:pt idx="0">
+                  <c:v>Partner Attractiveness Rating</c:v>
+                </c:pt>
+                <c:pt idx="1">
+                  <c:v>Partner Shared Interest Rating</c:v>
+                </c:pt>
+                <c:pt idx="2">
+                  <c:v>Partner Fun Rating</c:v>
+                </c:pt>
+                <c:pt idx="3">
+                  <c:v>Partner Intelligence Rating</c:v>
+                </c:pt>
+              </c:strCache>
+            </c:strRef>
+          </c:cat>
+          <c:val>
+            <c:numRef>
+              <c:f>'limited v extensive choice fema'!$B$10:$E$10</c:f>
+              <c:numCache>
+                <c:formatCode>0.00</c:formatCode>
+                <c:ptCount val="4"/>
+                <c:pt idx="0">
+                  <c:v>0.412462</c:v>
+                </c:pt>
+                <c:pt idx="1">
+                  <c:v>0.39476499999999998</c:v>
+                </c:pt>
+                <c:pt idx="2">
+                  <c:v>0.40607799999999999</c:v>
+                </c:pt>
+                <c:pt idx="3">
+                  <c:v>0.21856200000000001</c:v>
+                </c:pt>
+              </c:numCache>
+            </c:numRef>
+          </c:val>
+          <c:extLst>
+            <c:ext xmlns:c16="http://schemas.microsoft.com/office/drawing/2014/chart" uri="{C3380CC4-5D6E-409C-BE32-E72D297353CC}">
+              <c16:uniqueId val="{00000001-AE2F-4510-A75B-1DD1EF6BA034}"/>
+            </c:ext>
+          </c:extLst>
+        </c:ser>
+        <c:dLbls>
+          <c:showLegendKey val="0"/>
+          <c:showVal val="0"/>
+          <c:showCatName val="0"/>
+          <c:showSerName val="0"/>
+          <c:showPercent val="0"/>
+          <c:showBubbleSize val="0"/>
+        </c:dLbls>
+        <c:gapWidth val="100"/>
+        <c:overlap val="-24"/>
+        <c:axId val="455488008"/>
+        <c:axId val="455490632"/>
+      </c:barChart>
+      <c:catAx>
+        <c:axId val="455488008"/>
+        <c:scaling>
+          <c:orientation val="minMax"/>
+        </c:scaling>
+        <c:delete val="0"/>
+        <c:axPos val="b"/>
+        <c:numFmt formatCode="General" sourceLinked="1"/>
+        <c:majorTickMark val="none"/>
+        <c:minorTickMark val="none"/>
+        <c:tickLblPos val="nextTo"/>
+        <c:spPr>
+          <a:noFill/>
+          <a:ln w="12700" cap="flat" cmpd="sng" algn="ctr">
+            <a:solidFill>
+              <a:schemeClr val="lt1">
+                <a:lumMod val="95000"/>
+                <a:alpha val="54000"/>
+              </a:schemeClr>
+            </a:solidFill>
+            <a:round/>
+          </a:ln>
+          <a:effectLst/>
+        </c:spPr>
+        <c:txPr>
+          <a:bodyPr rot="-60000000" spcFirstLastPara="1" vertOverflow="ellipsis" vert="horz" wrap="square" anchor="ctr" anchorCtr="1"/>
+          <a:lstStyle/>
+          <a:p>
+            <a:pPr>
+              <a:defRPr sz="1197" b="0" i="0" u="none" strike="noStrike" kern="1200" baseline="0">
+                <a:solidFill>
+                  <a:schemeClr val="lt1">
+                    <a:lumMod val="85000"/>
+                  </a:schemeClr>
+                </a:solidFill>
+                <a:latin typeface="+mn-lt"/>
+                <a:ea typeface="+mn-ea"/>
+                <a:cs typeface="+mn-cs"/>
+              </a:defRPr>
+            </a:pPr>
+            <a:endParaRPr lang="en-US"/>
+          </a:p>
+        </c:txPr>
+        <c:crossAx val="455490632"/>
+        <c:crosses val="autoZero"/>
+        <c:auto val="1"/>
+        <c:lblAlgn val="ctr"/>
+        <c:lblOffset val="100"/>
+        <c:noMultiLvlLbl val="0"/>
+      </c:catAx>
+      <c:valAx>
+        <c:axId val="455490632"/>
+        <c:scaling>
+          <c:orientation val="minMax"/>
+        </c:scaling>
+        <c:delete val="0"/>
+        <c:axPos val="l"/>
+        <c:majorGridlines>
+          <c:spPr>
+            <a:ln w="9525" cap="flat" cmpd="sng" algn="ctr">
+              <a:solidFill>
+                <a:schemeClr val="lt1">
+                  <a:lumMod val="95000"/>
+                  <a:alpha val="10000"/>
+                </a:schemeClr>
+              </a:solidFill>
+              <a:round/>
+            </a:ln>
+            <a:effectLst/>
+          </c:spPr>
+        </c:majorGridlines>
+        <c:numFmt formatCode="0.00" sourceLinked="1"/>
+        <c:majorTickMark val="none"/>
+        <c:minorTickMark val="none"/>
+        <c:tickLblPos val="nextTo"/>
+        <c:spPr>
+          <a:noFill/>
+          <a:ln>
+            <a:noFill/>
+          </a:ln>
+          <a:effectLst/>
+        </c:spPr>
+        <c:txPr>
+          <a:bodyPr rot="-60000000" spcFirstLastPara="1" vertOverflow="ellipsis" vert="horz" wrap="square" anchor="ctr" anchorCtr="1"/>
+          <a:lstStyle/>
+          <a:p>
+            <a:pPr>
+              <a:defRPr sz="1197" b="0" i="0" u="none" strike="noStrike" kern="1200" baseline="0">
+                <a:solidFill>
+                  <a:schemeClr val="lt1">
+                    <a:lumMod val="85000"/>
+                  </a:schemeClr>
+                </a:solidFill>
+                <a:latin typeface="+mn-lt"/>
+                <a:ea typeface="+mn-ea"/>
+                <a:cs typeface="+mn-cs"/>
+              </a:defRPr>
+            </a:pPr>
+            <a:endParaRPr lang="en-US"/>
+          </a:p>
+        </c:txPr>
+        <c:crossAx val="455488008"/>
+        <c:crosses val="autoZero"/>
+        <c:crossBetween val="between"/>
+      </c:valAx>
+      <c:spPr>
+        <a:noFill/>
+        <a:ln>
+          <a:noFill/>
+        </a:ln>
+        <a:effectLst/>
+      </c:spPr>
+    </c:plotArea>
+    <c:legend>
+      <c:legendPos val="b"/>
+      <c:overlay val="0"/>
+      <c:spPr>
+        <a:noFill/>
+        <a:ln>
+          <a:noFill/>
+        </a:ln>
+        <a:effectLst/>
+      </c:spPr>
+      <c:txPr>
+        <a:bodyPr rot="0" spcFirstLastPara="1" vertOverflow="ellipsis" vert="horz" wrap="square" anchor="ctr" anchorCtr="1"/>
+        <a:lstStyle/>
+        <a:p>
+          <a:pPr>
+            <a:defRPr sz="1197" b="0" i="0" u="none" strike="noStrike" kern="1200" baseline="0">
+              <a:solidFill>
+                <a:schemeClr val="lt1">
+                  <a:lumMod val="85000"/>
+                </a:schemeClr>
+              </a:solidFill>
+              <a:latin typeface="+mn-lt"/>
+              <a:ea typeface="+mn-ea"/>
+              <a:cs typeface="+mn-cs"/>
+            </a:defRPr>
+          </a:pPr>
+          <a:endParaRPr lang="en-US"/>
+        </a:p>
+      </c:txPr>
+    </c:legend>
+    <c:plotVisOnly val="1"/>
+    <c:dispBlanksAs val="gap"/>
+    <c:showDLblsOverMax val="0"/>
+  </c:chart>
+  <c:spPr>
+    <a:gradFill flip="none" rotWithShape="1">
+      <a:gsLst>
+        <a:gs pos="0">
+          <a:schemeClr val="dk1">
+            <a:lumMod val="65000"/>
+            <a:lumOff val="35000"/>
+          </a:schemeClr>
+        </a:gs>
+        <a:gs pos="100000">
+          <a:schemeClr val="dk1">
+            <a:lumMod val="85000"/>
+            <a:lumOff val="15000"/>
+          </a:schemeClr>
+        </a:gs>
+      </a:gsLst>
+      <a:path path="circle">
+        <a:fillToRect l="50000" t="50000" r="50000" b="50000"/>
+      </a:path>
+      <a:tileRect/>
+    </a:gradFill>
+    <a:ln>
+      <a:noFill/>
+    </a:ln>
+    <a:effectLst/>
+  </c:spPr>
+  <c:txPr>
+    <a:bodyPr/>
+    <a:lstStyle/>
+    <a:p>
+      <a:pPr>
+        <a:defRPr/>
+      </a:pPr>
+      <a:endParaRPr lang="en-US"/>
+    </a:p>
+  </c:txPr>
+  <c:externalData r:id="rId3">
+    <c:autoUpdate val="0"/>
+  </c:externalData>
+</c:chartSpace>
+</file>
+
+<file path=ppt/charts/chart5.xml><?xml version="1.0" encoding="utf-8"?>
+<c:chartSpace xmlns:c="http://schemas.openxmlformats.org/drawingml/2006/chart" xmlns:a="http://schemas.openxmlformats.org/drawingml/2006/main" xmlns:r="http://schemas.openxmlformats.org/officeDocument/2006/relationships" xmlns:c16r2="http://schemas.microsoft.com/office/drawing/2015/06/chart">
+  <c:date1904 val="0"/>
+  <c:lang val="en-US"/>
+  <c:roundedCorners val="0"/>
+  <mc:AlternateContent xmlns:mc="http://schemas.openxmlformats.org/markup-compatibility/2006">
+    <mc:Choice xmlns:c14="http://schemas.microsoft.com/office/drawing/2007/8/2/chart" Requires="c14">
+      <c14:style val="102"/>
+    </mc:Choice>
+    <mc:Fallback>
+      <c:style val="2"/>
+    </mc:Fallback>
+  </mc:AlternateContent>
+  <c:chart>
+    <c:title>
+      <c:tx>
+        <c:rich>
+          <a:bodyPr rot="0" spcFirstLastPara="1" vertOverflow="ellipsis" vert="horz" wrap="square" anchor="ctr" anchorCtr="1"/>
+          <a:lstStyle/>
+          <a:p>
+            <a:pPr>
+              <a:defRPr sz="2128" b="1" i="0" u="none" strike="noStrike" kern="1200" spc="100" baseline="0">
+                <a:solidFill>
+                  <a:schemeClr val="lt1">
+                    <a:lumMod val="95000"/>
+                  </a:schemeClr>
+                </a:solidFill>
+                <a:effectLst>
+                  <a:outerShdw blurRad="50800" dist="38100" dir="5400000" algn="t" rotWithShape="0">
+                    <a:prstClr val="black">
+                      <a:alpha val="40000"/>
+                    </a:prstClr>
+                  </a:outerShdw>
+                </a:effectLst>
+                <a:latin typeface="+mn-lt"/>
+                <a:ea typeface="+mn-ea"/>
+                <a:cs typeface="+mn-cs"/>
+              </a:defRPr>
+            </a:pPr>
+            <a:r>
+              <a:rPr lang="en-US" dirty="0"/>
+              <a:t>Attribute Correlation for Male Decisions</a:t>
+            </a:r>
+          </a:p>
+        </c:rich>
+      </c:tx>
+      <c:overlay val="0"/>
+      <c:spPr>
+        <a:noFill/>
+        <a:ln>
+          <a:noFill/>
+        </a:ln>
+        <a:effectLst/>
+      </c:spPr>
+      <c:txPr>
+        <a:bodyPr rot="0" spcFirstLastPara="1" vertOverflow="ellipsis" vert="horz" wrap="square" anchor="ctr" anchorCtr="1"/>
+        <a:lstStyle/>
+        <a:p>
+          <a:pPr>
+            <a:defRPr sz="2128" b="1" i="0" u="none" strike="noStrike" kern="1200" spc="100" baseline="0">
+              <a:solidFill>
+                <a:schemeClr val="lt1">
+                  <a:lumMod val="95000"/>
+                </a:schemeClr>
+              </a:solidFill>
+              <a:effectLst>
+                <a:outerShdw blurRad="50800" dist="38100" dir="5400000" algn="t" rotWithShape="0">
+                  <a:prstClr val="black">
+                    <a:alpha val="40000"/>
+                  </a:prstClr>
+                </a:outerShdw>
+              </a:effectLst>
+              <a:latin typeface="+mn-lt"/>
+              <a:ea typeface="+mn-ea"/>
+              <a:cs typeface="+mn-cs"/>
+            </a:defRPr>
+          </a:pPr>
+          <a:endParaRPr lang="en-US"/>
+        </a:p>
+      </c:txPr>
+    </c:title>
+    <c:autoTitleDeleted val="0"/>
+    <c:plotArea>
+      <c:layout/>
+      <c:barChart>
+        <c:barDir val="col"/>
+        <c:grouping val="clustered"/>
+        <c:varyColors val="0"/>
+        <c:ser>
+          <c:idx val="0"/>
+          <c:order val="0"/>
+          <c:tx>
+            <c:strRef>
+              <c:f>'limited v extensive choice  mal'!$A$9</c:f>
+              <c:strCache>
+                <c:ptCount val="1"/>
+                <c:pt idx="0">
+                  <c:v>Extensive Choice</c:v>
+                </c:pt>
+              </c:strCache>
+            </c:strRef>
+          </c:tx>
+          <c:spPr>
+            <a:gradFill rotWithShape="1">
+              <a:gsLst>
+                <a:gs pos="0">
+                  <a:schemeClr val="accent1">
+                    <a:tint val="98000"/>
+                    <a:lumMod val="114000"/>
+                  </a:schemeClr>
+                </a:gs>
+                <a:gs pos="100000">
+                  <a:schemeClr val="accent1">
+                    <a:shade val="90000"/>
+                    <a:lumMod val="84000"/>
+                  </a:schemeClr>
+                </a:gs>
+              </a:gsLst>
+              <a:lin ang="5400000" scaled="0"/>
+            </a:gradFill>
+            <a:ln>
+              <a:noFill/>
+            </a:ln>
+            <a:effectLst>
+              <a:outerShdw blurRad="63500" dist="38100" dir="5400000" rotWithShape="0">
+                <a:srgbClr val="000000">
+                  <a:alpha val="60000"/>
+                </a:srgbClr>
+              </a:outerShdw>
+            </a:effectLst>
+            <a:scene3d>
+              <a:camera prst="orthographicFront">
+                <a:rot lat="0" lon="0" rev="0"/>
+              </a:camera>
+              <a:lightRig rig="threePt" dir="tl"/>
+            </a:scene3d>
+            <a:sp3d prstMaterial="plastic">
+              <a:bevelT w="0" h="0"/>
+            </a:sp3d>
+          </c:spPr>
+          <c:invertIfNegative val="0"/>
+          <c:cat>
+            <c:strRef>
+              <c:f>'limited v extensive choice  mal'!$B$8:$E$8</c:f>
+              <c:strCache>
+                <c:ptCount val="4"/>
+                <c:pt idx="0">
+                  <c:v>Partner Attractiveness Rating</c:v>
+                </c:pt>
+                <c:pt idx="1">
+                  <c:v>Partner Shared Interest Rating</c:v>
+                </c:pt>
+                <c:pt idx="2">
+                  <c:v>Partner Fun Rating</c:v>
+                </c:pt>
+                <c:pt idx="3">
+                  <c:v>Partner Intelligence Rating</c:v>
+                </c:pt>
+              </c:strCache>
+            </c:strRef>
+          </c:cat>
+          <c:val>
+            <c:numRef>
+              <c:f>'limited v extensive choice  mal'!$B$9:$E$9</c:f>
+              <c:numCache>
+                <c:formatCode>General</c:formatCode>
+                <c:ptCount val="4"/>
+                <c:pt idx="0">
+                  <c:v>0.49525000000000002</c:v>
+                </c:pt>
+                <c:pt idx="1">
+                  <c:v>0.374946</c:v>
+                </c:pt>
+                <c:pt idx="2">
+                  <c:v>0.38382300000000003</c:v>
+                </c:pt>
+                <c:pt idx="3">
+                  <c:v>0.20719699999999999</c:v>
+                </c:pt>
+              </c:numCache>
+            </c:numRef>
+          </c:val>
+          <c:extLst>
+            <c:ext xmlns:c16="http://schemas.microsoft.com/office/drawing/2014/chart" uri="{C3380CC4-5D6E-409C-BE32-E72D297353CC}">
+              <c16:uniqueId val="{00000000-7230-4ACD-B147-0102F0D4CBC2}"/>
+            </c:ext>
+          </c:extLst>
+        </c:ser>
+        <c:ser>
+          <c:idx val="1"/>
+          <c:order val="1"/>
+          <c:tx>
+            <c:strRef>
+              <c:f>'limited v extensive choice  mal'!$A$10</c:f>
+              <c:strCache>
+                <c:ptCount val="1"/>
+                <c:pt idx="0">
+                  <c:v>Limited Choice</c:v>
+                </c:pt>
+              </c:strCache>
+            </c:strRef>
+          </c:tx>
+          <c:spPr>
+            <a:gradFill rotWithShape="1">
+              <a:gsLst>
+                <a:gs pos="0">
+                  <a:schemeClr val="accent2">
+                    <a:tint val="98000"/>
+                    <a:lumMod val="114000"/>
+                  </a:schemeClr>
+                </a:gs>
+                <a:gs pos="100000">
+                  <a:schemeClr val="accent2">
+                    <a:shade val="90000"/>
+                    <a:lumMod val="84000"/>
+                  </a:schemeClr>
+                </a:gs>
+              </a:gsLst>
+              <a:lin ang="5400000" scaled="0"/>
+            </a:gradFill>
+            <a:ln>
+              <a:noFill/>
+            </a:ln>
+            <a:effectLst>
+              <a:outerShdw blurRad="63500" dist="38100" dir="5400000" rotWithShape="0">
+                <a:srgbClr val="000000">
+                  <a:alpha val="60000"/>
+                </a:srgbClr>
+              </a:outerShdw>
+            </a:effectLst>
+            <a:scene3d>
+              <a:camera prst="orthographicFront">
+                <a:rot lat="0" lon="0" rev="0"/>
+              </a:camera>
+              <a:lightRig rig="threePt" dir="tl"/>
+            </a:scene3d>
+            <a:sp3d prstMaterial="plastic">
+              <a:bevelT w="0" h="0"/>
+            </a:sp3d>
+          </c:spPr>
+          <c:invertIfNegative val="0"/>
+          <c:cat>
+            <c:strRef>
+              <c:f>'limited v extensive choice  mal'!$B$8:$E$8</c:f>
+              <c:strCache>
+                <c:ptCount val="4"/>
+                <c:pt idx="0">
+                  <c:v>Partner Attractiveness Rating</c:v>
+                </c:pt>
+                <c:pt idx="1">
+                  <c:v>Partner Shared Interest Rating</c:v>
+                </c:pt>
+                <c:pt idx="2">
+                  <c:v>Partner Fun Rating</c:v>
+                </c:pt>
+                <c:pt idx="3">
+                  <c:v>Partner Intelligence Rating</c:v>
+                </c:pt>
+              </c:strCache>
+            </c:strRef>
+          </c:cat>
+          <c:val>
+            <c:numRef>
+              <c:f>'limited v extensive choice  mal'!$B$10:$E$10</c:f>
+              <c:numCache>
+                <c:formatCode>General</c:formatCode>
+                <c:ptCount val="4"/>
+                <c:pt idx="0">
+                  <c:v>0.52887700000000004</c:v>
+                </c:pt>
+                <c:pt idx="1">
+                  <c:v>0.43427300000000002</c:v>
+                </c:pt>
+                <c:pt idx="2">
+                  <c:v>0.448878</c:v>
+                </c:pt>
+                <c:pt idx="3">
+                  <c:v>0.23086499999999999</c:v>
+                </c:pt>
+              </c:numCache>
+            </c:numRef>
+          </c:val>
+          <c:extLst>
+            <c:ext xmlns:c16="http://schemas.microsoft.com/office/drawing/2014/chart" uri="{C3380CC4-5D6E-409C-BE32-E72D297353CC}">
+              <c16:uniqueId val="{00000001-7230-4ACD-B147-0102F0D4CBC2}"/>
+            </c:ext>
+          </c:extLst>
+        </c:ser>
+        <c:dLbls>
+          <c:showLegendKey val="0"/>
+          <c:showVal val="0"/>
+          <c:showCatName val="0"/>
+          <c:showSerName val="0"/>
+          <c:showPercent val="0"/>
+          <c:showBubbleSize val="0"/>
+        </c:dLbls>
+        <c:gapWidth val="100"/>
+        <c:overlap val="-24"/>
+        <c:axId val="455488008"/>
+        <c:axId val="455490632"/>
+      </c:barChart>
+      <c:catAx>
+        <c:axId val="455488008"/>
+        <c:scaling>
+          <c:orientation val="minMax"/>
+        </c:scaling>
+        <c:delete val="0"/>
+        <c:axPos val="b"/>
+        <c:numFmt formatCode="General" sourceLinked="1"/>
+        <c:majorTickMark val="none"/>
+        <c:minorTickMark val="none"/>
+        <c:tickLblPos val="nextTo"/>
+        <c:spPr>
+          <a:noFill/>
+          <a:ln w="12700" cap="flat" cmpd="sng" algn="ctr">
+            <a:solidFill>
+              <a:schemeClr val="lt1">
+                <a:lumMod val="95000"/>
+                <a:alpha val="54000"/>
+              </a:schemeClr>
+            </a:solidFill>
+            <a:round/>
+          </a:ln>
+          <a:effectLst/>
+        </c:spPr>
+        <c:txPr>
+          <a:bodyPr rot="-60000000" spcFirstLastPara="1" vertOverflow="ellipsis" vert="horz" wrap="square" anchor="ctr" anchorCtr="1"/>
+          <a:lstStyle/>
+          <a:p>
+            <a:pPr>
+              <a:defRPr sz="1197" b="0" i="0" u="none" strike="noStrike" kern="1200" baseline="0">
+                <a:solidFill>
+                  <a:schemeClr val="lt1">
+                    <a:lumMod val="85000"/>
+                  </a:schemeClr>
+                </a:solidFill>
+                <a:latin typeface="+mn-lt"/>
+                <a:ea typeface="+mn-ea"/>
+                <a:cs typeface="+mn-cs"/>
+              </a:defRPr>
+            </a:pPr>
+            <a:endParaRPr lang="en-US"/>
+          </a:p>
+        </c:txPr>
+        <c:crossAx val="455490632"/>
+        <c:crosses val="autoZero"/>
+        <c:auto val="1"/>
+        <c:lblAlgn val="ctr"/>
+        <c:lblOffset val="100"/>
+        <c:noMultiLvlLbl val="0"/>
+      </c:catAx>
+      <c:valAx>
+        <c:axId val="455490632"/>
+        <c:scaling>
+          <c:orientation val="minMax"/>
+        </c:scaling>
+        <c:delete val="0"/>
+        <c:axPos val="l"/>
+        <c:majorGridlines>
+          <c:spPr>
+            <a:ln w="9525" cap="flat" cmpd="sng" algn="ctr">
+              <a:solidFill>
+                <a:schemeClr val="lt1">
+                  <a:lumMod val="95000"/>
+                  <a:alpha val="10000"/>
+                </a:schemeClr>
+              </a:solidFill>
+              <a:round/>
+            </a:ln>
+            <a:effectLst/>
+          </c:spPr>
+        </c:majorGridlines>
+        <c:numFmt formatCode="General" sourceLinked="1"/>
+        <c:majorTickMark val="none"/>
+        <c:minorTickMark val="none"/>
+        <c:tickLblPos val="nextTo"/>
+        <c:spPr>
+          <a:noFill/>
+          <a:ln>
+            <a:noFill/>
+          </a:ln>
+          <a:effectLst/>
+        </c:spPr>
+        <c:txPr>
+          <a:bodyPr rot="-60000000" spcFirstLastPara="1" vertOverflow="ellipsis" vert="horz" wrap="square" anchor="ctr" anchorCtr="1"/>
+          <a:lstStyle/>
+          <a:p>
+            <a:pPr>
+              <a:defRPr sz="1197" b="0" i="0" u="none" strike="noStrike" kern="1200" baseline="0">
+                <a:solidFill>
+                  <a:schemeClr val="lt1">
+                    <a:lumMod val="85000"/>
+                  </a:schemeClr>
+                </a:solidFill>
+                <a:latin typeface="+mn-lt"/>
+                <a:ea typeface="+mn-ea"/>
+                <a:cs typeface="+mn-cs"/>
+              </a:defRPr>
+            </a:pPr>
+            <a:endParaRPr lang="en-US"/>
+          </a:p>
+        </c:txPr>
+        <c:crossAx val="455488008"/>
+        <c:crosses val="autoZero"/>
+        <c:crossBetween val="between"/>
+      </c:valAx>
+      <c:spPr>
+        <a:noFill/>
+        <a:ln>
+          <a:noFill/>
+        </a:ln>
+        <a:effectLst/>
+      </c:spPr>
+    </c:plotArea>
+    <c:legend>
+      <c:legendPos val="b"/>
+      <c:overlay val="0"/>
+      <c:spPr>
+        <a:noFill/>
+        <a:ln>
+          <a:noFill/>
+        </a:ln>
+        <a:effectLst/>
+      </c:spPr>
+      <c:txPr>
+        <a:bodyPr rot="0" spcFirstLastPara="1" vertOverflow="ellipsis" vert="horz" wrap="square" anchor="ctr" anchorCtr="1"/>
+        <a:lstStyle/>
+        <a:p>
+          <a:pPr>
+            <a:defRPr sz="1197" b="0" i="0" u="none" strike="noStrike" kern="1200" baseline="0">
+              <a:solidFill>
+                <a:schemeClr val="lt1">
+                  <a:lumMod val="85000"/>
+                </a:schemeClr>
+              </a:solidFill>
+              <a:latin typeface="+mn-lt"/>
+              <a:ea typeface="+mn-ea"/>
+              <a:cs typeface="+mn-cs"/>
+            </a:defRPr>
+          </a:pPr>
+          <a:endParaRPr lang="en-US"/>
+        </a:p>
+      </c:txPr>
+    </c:legend>
+    <c:plotVisOnly val="1"/>
+    <c:dispBlanksAs val="gap"/>
+    <c:showDLblsOverMax val="0"/>
+  </c:chart>
+  <c:spPr>
+    <a:gradFill flip="none" rotWithShape="1">
+      <a:gsLst>
+        <a:gs pos="0">
+          <a:schemeClr val="dk1">
+            <a:lumMod val="65000"/>
+            <a:lumOff val="35000"/>
+          </a:schemeClr>
+        </a:gs>
+        <a:gs pos="100000">
+          <a:schemeClr val="dk1">
+            <a:lumMod val="85000"/>
+            <a:lumOff val="15000"/>
+          </a:schemeClr>
+        </a:gs>
+      </a:gsLst>
+      <a:path path="circle">
+        <a:fillToRect l="50000" t="50000" r="50000" b="50000"/>
+      </a:path>
+      <a:tileRect/>
+    </a:gradFill>
+    <a:ln>
+      <a:noFill/>
+    </a:ln>
+    <a:effectLst/>
+  </c:spPr>
+  <c:txPr>
+    <a:bodyPr/>
+    <a:lstStyle/>
+    <a:p>
+      <a:pPr>
+        <a:defRPr/>
+      </a:pPr>
+      <a:endParaRPr lang="en-US"/>
+    </a:p>
+  </c:txPr>
+  <c:externalData r:id="rId3">
+    <c:autoUpdate val="0"/>
+  </c:externalData>
+</c:chartSpace>
+</file>
+
 <file path=ppt/charts/colors1.xml><?xml version="1.0" encoding="utf-8"?>
 <cs:colorStyle xmlns:cs="http://schemas.microsoft.com/office/drawing/2012/chartStyle" xmlns:a="http://schemas.openxmlformats.org/drawingml/2006/main" meth="cycle" id="10">
   <a:schemeClr val="accent1"/>
@@ -1819,6 +2787,86 @@
 </file>
 
 <file path=ppt/charts/colors3.xml><?xml version="1.0" encoding="utf-8"?>
+<cs:colorStyle xmlns:cs="http://schemas.microsoft.com/office/drawing/2012/chartStyle" xmlns:a="http://schemas.openxmlformats.org/drawingml/2006/main" meth="cycle" id="10">
+  <a:schemeClr val="accent1"/>
+  <a:schemeClr val="accent2"/>
+  <a:schemeClr val="accent3"/>
+  <a:schemeClr val="accent4"/>
+  <a:schemeClr val="accent5"/>
+  <a:schemeClr val="accent6"/>
+  <cs:variation/>
+  <cs:variation>
+    <a:lumMod val="60000"/>
+  </cs:variation>
+  <cs:variation>
+    <a:lumMod val="80000"/>
+    <a:lumOff val="20000"/>
+  </cs:variation>
+  <cs:variation>
+    <a:lumMod val="80000"/>
+  </cs:variation>
+  <cs:variation>
+    <a:lumMod val="60000"/>
+    <a:lumOff val="40000"/>
+  </cs:variation>
+  <cs:variation>
+    <a:lumMod val="50000"/>
+  </cs:variation>
+  <cs:variation>
+    <a:lumMod val="70000"/>
+    <a:lumOff val="30000"/>
+  </cs:variation>
+  <cs:variation>
+    <a:lumMod val="70000"/>
+  </cs:variation>
+  <cs:variation>
+    <a:lumMod val="50000"/>
+    <a:lumOff val="50000"/>
+  </cs:variation>
+</cs:colorStyle>
+</file>
+
+<file path=ppt/charts/colors4.xml><?xml version="1.0" encoding="utf-8"?>
+<cs:colorStyle xmlns:cs="http://schemas.microsoft.com/office/drawing/2012/chartStyle" xmlns:a="http://schemas.openxmlformats.org/drawingml/2006/main" meth="cycle" id="10">
+  <a:schemeClr val="accent1"/>
+  <a:schemeClr val="accent2"/>
+  <a:schemeClr val="accent3"/>
+  <a:schemeClr val="accent4"/>
+  <a:schemeClr val="accent5"/>
+  <a:schemeClr val="accent6"/>
+  <cs:variation/>
+  <cs:variation>
+    <a:lumMod val="60000"/>
+  </cs:variation>
+  <cs:variation>
+    <a:lumMod val="80000"/>
+    <a:lumOff val="20000"/>
+  </cs:variation>
+  <cs:variation>
+    <a:lumMod val="80000"/>
+  </cs:variation>
+  <cs:variation>
+    <a:lumMod val="60000"/>
+    <a:lumOff val="40000"/>
+  </cs:variation>
+  <cs:variation>
+    <a:lumMod val="50000"/>
+  </cs:variation>
+  <cs:variation>
+    <a:lumMod val="70000"/>
+    <a:lumOff val="30000"/>
+  </cs:variation>
+  <cs:variation>
+    <a:lumMod val="70000"/>
+  </cs:variation>
+  <cs:variation>
+    <a:lumMod val="50000"/>
+    <a:lumOff val="50000"/>
+  </cs:variation>
+</cs:colorStyle>
+</file>
+
+<file path=ppt/charts/colors5.xml><?xml version="1.0" encoding="utf-8"?>
 <cs:colorStyle xmlns:cs="http://schemas.microsoft.com/office/drawing/2012/chartStyle" xmlns:a="http://schemas.openxmlformats.org/drawingml/2006/main" meth="cycle" id="10">
   <a:schemeClr val="accent1"/>
   <a:schemeClr val="accent2"/>
@@ -2851,6 +3899,998 @@
 </file>
 
 <file path=ppt/charts/style3.xml><?xml version="1.0" encoding="utf-8"?>
+<cs:chartStyle xmlns:cs="http://schemas.microsoft.com/office/drawing/2012/chartStyle" xmlns:a="http://schemas.openxmlformats.org/drawingml/2006/main" id="209">
+  <cs:axisTitle>
+    <cs:lnRef idx="0"/>
+    <cs:fillRef idx="0"/>
+    <cs:effectRef idx="0"/>
+    <cs:fontRef idx="minor">
+      <a:schemeClr val="lt1">
+        <a:lumMod val="85000"/>
+      </a:schemeClr>
+    </cs:fontRef>
+    <cs:defRPr sz="1197" b="1" kern="1200" cap="all"/>
+  </cs:axisTitle>
+  <cs:categoryAxis>
+    <cs:lnRef idx="0"/>
+    <cs:fillRef idx="0"/>
+    <cs:effectRef idx="0"/>
+    <cs:fontRef idx="minor">
+      <a:schemeClr val="lt1">
+        <a:lumMod val="85000"/>
+      </a:schemeClr>
+    </cs:fontRef>
+    <cs:spPr>
+      <a:ln w="12700" cap="flat" cmpd="sng" algn="ctr">
+        <a:solidFill>
+          <a:schemeClr val="lt1">
+            <a:lumMod val="95000"/>
+            <a:alpha val="54000"/>
+          </a:schemeClr>
+        </a:solidFill>
+        <a:round/>
+      </a:ln>
+    </cs:spPr>
+    <cs:defRPr sz="1197" kern="1200"/>
+  </cs:categoryAxis>
+  <cs:chartArea>
+    <cs:lnRef idx="0"/>
+    <cs:fillRef idx="0"/>
+    <cs:effectRef idx="0"/>
+    <cs:fontRef idx="minor">
+      <a:schemeClr val="dk1"/>
+    </cs:fontRef>
+    <cs:spPr>
+      <a:gradFill flip="none" rotWithShape="1">
+        <a:gsLst>
+          <a:gs pos="0">
+            <a:schemeClr val="dk1">
+              <a:lumMod val="65000"/>
+              <a:lumOff val="35000"/>
+            </a:schemeClr>
+          </a:gs>
+          <a:gs pos="100000">
+            <a:schemeClr val="dk1">
+              <a:lumMod val="85000"/>
+              <a:lumOff val="15000"/>
+            </a:schemeClr>
+          </a:gs>
+        </a:gsLst>
+        <a:path path="circle">
+          <a:fillToRect l="50000" t="50000" r="50000" b="50000"/>
+        </a:path>
+        <a:tileRect/>
+      </a:gradFill>
+    </cs:spPr>
+    <cs:defRPr sz="1330" kern="1200"/>
+  </cs:chartArea>
+  <cs:dataLabel>
+    <cs:lnRef idx="0"/>
+    <cs:fillRef idx="0"/>
+    <cs:effectRef idx="0"/>
+    <cs:fontRef idx="minor">
+      <a:schemeClr val="lt1">
+        <a:lumMod val="85000"/>
+      </a:schemeClr>
+    </cs:fontRef>
+    <cs:defRPr sz="1197" kern="1200"/>
+  </cs:dataLabel>
+  <cs:dataLabelCallout>
+    <cs:lnRef idx="0"/>
+    <cs:fillRef idx="0"/>
+    <cs:effectRef idx="0"/>
+    <cs:fontRef idx="minor">
+      <a:schemeClr val="dk1">
+        <a:lumMod val="65000"/>
+        <a:lumOff val="35000"/>
+      </a:schemeClr>
+    </cs:fontRef>
+    <cs:spPr>
+      <a:solidFill>
+        <a:schemeClr val="lt1"/>
+      </a:solidFill>
+    </cs:spPr>
+    <cs:defRPr sz="1197" kern="1200"/>
+    <cs:bodyPr rot="0" spcFirstLastPara="1" vertOverflow="clip" horzOverflow="clip" vert="horz" wrap="square" lIns="36576" tIns="18288" rIns="36576" bIns="18288" anchor="ctr" anchorCtr="1">
+      <a:spAutoFit/>
+    </cs:bodyPr>
+  </cs:dataLabelCallout>
+  <cs:dataPoint>
+    <cs:lnRef idx="0"/>
+    <cs:fillRef idx="3">
+      <cs:styleClr val="auto"/>
+    </cs:fillRef>
+    <cs:effectRef idx="3"/>
+    <cs:fontRef idx="minor">
+      <a:schemeClr val="lt1"/>
+    </cs:fontRef>
+  </cs:dataPoint>
+  <cs:dataPoint3D>
+    <cs:lnRef idx="0"/>
+    <cs:fillRef idx="3">
+      <cs:styleClr val="auto"/>
+    </cs:fillRef>
+    <cs:effectRef idx="3"/>
+    <cs:fontRef idx="minor">
+      <a:schemeClr val="lt1"/>
+    </cs:fontRef>
+  </cs:dataPoint3D>
+  <cs:dataPointLine>
+    <cs:lnRef idx="0">
+      <cs:styleClr val="auto"/>
+    </cs:lnRef>
+    <cs:fillRef idx="3"/>
+    <cs:effectRef idx="3"/>
+    <cs:fontRef idx="minor">
+      <a:schemeClr val="lt1"/>
+    </cs:fontRef>
+    <cs:spPr>
+      <a:ln w="34925" cap="rnd">
+        <a:solidFill>
+          <a:schemeClr val="phClr"/>
+        </a:solidFill>
+        <a:round/>
+      </a:ln>
+    </cs:spPr>
+  </cs:dataPointLine>
+  <cs:dataPointMarker>
+    <cs:lnRef idx="0">
+      <cs:styleClr val="auto"/>
+    </cs:lnRef>
+    <cs:fillRef idx="3">
+      <cs:styleClr val="auto"/>
+    </cs:fillRef>
+    <cs:effectRef idx="3"/>
+    <cs:fontRef idx="minor">
+      <a:schemeClr val="lt1"/>
+    </cs:fontRef>
+    <cs:spPr>
+      <a:ln w="9525">
+        <a:solidFill>
+          <a:schemeClr val="phClr"/>
+        </a:solidFill>
+        <a:round/>
+      </a:ln>
+    </cs:spPr>
+  </cs:dataPointMarker>
+  <cs:dataPointMarkerLayout symbol="circle" size="6"/>
+  <cs:dataPointWireframe>
+    <cs:lnRef idx="0">
+      <cs:styleClr val="auto"/>
+    </cs:lnRef>
+    <cs:fillRef idx="3"/>
+    <cs:effectRef idx="3"/>
+    <cs:fontRef idx="minor">
+      <a:schemeClr val="lt1"/>
+    </cs:fontRef>
+    <cs:spPr>
+      <a:ln w="9525" cap="rnd">
+        <a:solidFill>
+          <a:schemeClr val="phClr"/>
+        </a:solidFill>
+        <a:round/>
+      </a:ln>
+    </cs:spPr>
+  </cs:dataPointWireframe>
+  <cs:dataTable>
+    <cs:lnRef idx="0"/>
+    <cs:fillRef idx="0"/>
+    <cs:effectRef idx="0"/>
+    <cs:fontRef idx="minor">
+      <a:schemeClr val="lt1">
+        <a:lumMod val="85000"/>
+      </a:schemeClr>
+    </cs:fontRef>
+    <cs:spPr>
+      <a:ln w="9525">
+        <a:solidFill>
+          <a:schemeClr val="lt1">
+            <a:lumMod val="95000"/>
+            <a:alpha val="54000"/>
+          </a:schemeClr>
+        </a:solidFill>
+      </a:ln>
+    </cs:spPr>
+    <cs:defRPr sz="1197" kern="1200"/>
+  </cs:dataTable>
+  <cs:downBar>
+    <cs:lnRef idx="0"/>
+    <cs:fillRef idx="0"/>
+    <cs:effectRef idx="0"/>
+    <cs:fontRef idx="minor">
+      <a:schemeClr val="lt1"/>
+    </cs:fontRef>
+    <cs:spPr>
+      <a:solidFill>
+        <a:schemeClr val="dk1">
+          <a:lumMod val="75000"/>
+          <a:lumOff val="25000"/>
+        </a:schemeClr>
+      </a:solidFill>
+      <a:ln w="9525">
+        <a:solidFill>
+          <a:schemeClr val="lt1">
+            <a:lumMod val="95000"/>
+            <a:alpha val="54000"/>
+          </a:schemeClr>
+        </a:solidFill>
+      </a:ln>
+    </cs:spPr>
+  </cs:downBar>
+  <cs:dropLine>
+    <cs:lnRef idx="0"/>
+    <cs:fillRef idx="0"/>
+    <cs:effectRef idx="0"/>
+    <cs:fontRef idx="minor">
+      <a:schemeClr val="lt1"/>
+    </cs:fontRef>
+    <cs:spPr>
+      <a:ln w="9525">
+        <a:solidFill>
+          <a:schemeClr val="lt1">
+            <a:lumMod val="95000"/>
+            <a:alpha val="54000"/>
+          </a:schemeClr>
+        </a:solidFill>
+        <a:prstDash val="dash"/>
+      </a:ln>
+    </cs:spPr>
+  </cs:dropLine>
+  <cs:errorBar>
+    <cs:lnRef idx="0"/>
+    <cs:fillRef idx="0"/>
+    <cs:effectRef idx="0"/>
+    <cs:fontRef idx="minor">
+      <a:schemeClr val="lt1"/>
+    </cs:fontRef>
+    <cs:spPr>
+      <a:ln w="9525" cap="flat" cmpd="sng" algn="ctr">
+        <a:solidFill>
+          <a:schemeClr val="lt1">
+            <a:lumMod val="95000"/>
+          </a:schemeClr>
+        </a:solidFill>
+        <a:round/>
+      </a:ln>
+    </cs:spPr>
+  </cs:errorBar>
+  <cs:floor>
+    <cs:lnRef idx="0"/>
+    <cs:fillRef idx="0"/>
+    <cs:effectRef idx="0"/>
+    <cs:fontRef idx="minor">
+      <a:schemeClr val="lt1"/>
+    </cs:fontRef>
+  </cs:floor>
+  <cs:gridlineMajor>
+    <cs:lnRef idx="0"/>
+    <cs:fillRef idx="0"/>
+    <cs:effectRef idx="0"/>
+    <cs:fontRef idx="minor">
+      <a:schemeClr val="lt1"/>
+    </cs:fontRef>
+    <cs:spPr>
+      <a:ln w="9525" cap="flat" cmpd="sng" algn="ctr">
+        <a:solidFill>
+          <a:schemeClr val="lt1">
+            <a:lumMod val="95000"/>
+            <a:alpha val="10000"/>
+          </a:schemeClr>
+        </a:solidFill>
+        <a:round/>
+      </a:ln>
+    </cs:spPr>
+  </cs:gridlineMajor>
+  <cs:gridlineMinor>
+    <cs:lnRef idx="0"/>
+    <cs:fillRef idx="0"/>
+    <cs:effectRef idx="0"/>
+    <cs:fontRef idx="minor">
+      <a:schemeClr val="lt1"/>
+    </cs:fontRef>
+    <cs:spPr>
+      <a:ln>
+        <a:solidFill>
+          <a:schemeClr val="lt1">
+            <a:lumMod val="95000"/>
+            <a:alpha val="5000"/>
+          </a:schemeClr>
+        </a:solidFill>
+      </a:ln>
+    </cs:spPr>
+  </cs:gridlineMinor>
+  <cs:hiLoLine>
+    <cs:lnRef idx="0"/>
+    <cs:fillRef idx="0"/>
+    <cs:effectRef idx="0"/>
+    <cs:fontRef idx="minor">
+      <a:schemeClr val="lt1"/>
+    </cs:fontRef>
+    <cs:spPr>
+      <a:ln w="9525">
+        <a:solidFill>
+          <a:schemeClr val="lt1">
+            <a:lumMod val="95000"/>
+            <a:alpha val="54000"/>
+          </a:schemeClr>
+        </a:solidFill>
+        <a:prstDash val="dash"/>
+      </a:ln>
+    </cs:spPr>
+  </cs:hiLoLine>
+  <cs:leaderLine>
+    <cs:lnRef idx="0"/>
+    <cs:fillRef idx="0"/>
+    <cs:effectRef idx="0"/>
+    <cs:fontRef idx="minor">
+      <a:schemeClr val="lt1"/>
+    </cs:fontRef>
+    <cs:spPr>
+      <a:ln w="9525">
+        <a:solidFill>
+          <a:schemeClr val="lt1">
+            <a:lumMod val="95000"/>
+            <a:alpha val="54000"/>
+          </a:schemeClr>
+        </a:solidFill>
+      </a:ln>
+    </cs:spPr>
+  </cs:leaderLine>
+  <cs:legend>
+    <cs:lnRef idx="0"/>
+    <cs:fillRef idx="0"/>
+    <cs:effectRef idx="0"/>
+    <cs:fontRef idx="minor">
+      <a:schemeClr val="lt1">
+        <a:lumMod val="85000"/>
+      </a:schemeClr>
+    </cs:fontRef>
+    <cs:defRPr sz="1197" kern="1200"/>
+  </cs:legend>
+  <cs:plotArea>
+    <cs:lnRef idx="0"/>
+    <cs:fillRef idx="0"/>
+    <cs:effectRef idx="0"/>
+    <cs:fontRef idx="minor">
+      <a:schemeClr val="lt1"/>
+    </cs:fontRef>
+  </cs:plotArea>
+  <cs:plotArea3D>
+    <cs:lnRef idx="0"/>
+    <cs:fillRef idx="0"/>
+    <cs:effectRef idx="0"/>
+    <cs:fontRef idx="minor">
+      <a:schemeClr val="lt1"/>
+    </cs:fontRef>
+  </cs:plotArea3D>
+  <cs:seriesAxis>
+    <cs:lnRef idx="0"/>
+    <cs:fillRef idx="0"/>
+    <cs:effectRef idx="0"/>
+    <cs:fontRef idx="minor">
+      <a:schemeClr val="lt1">
+        <a:lumMod val="85000"/>
+      </a:schemeClr>
+    </cs:fontRef>
+    <cs:spPr>
+      <a:ln w="12700" cap="flat" cmpd="sng" algn="ctr">
+        <a:solidFill>
+          <a:schemeClr val="lt1">
+            <a:lumMod val="95000"/>
+            <a:alpha val="54000"/>
+          </a:schemeClr>
+        </a:solidFill>
+        <a:round/>
+      </a:ln>
+    </cs:spPr>
+    <cs:defRPr sz="1197" kern="1200"/>
+  </cs:seriesAxis>
+  <cs:seriesLine>
+    <cs:lnRef idx="0"/>
+    <cs:fillRef idx="0"/>
+    <cs:effectRef idx="0"/>
+    <cs:fontRef idx="minor">
+      <a:schemeClr val="lt1"/>
+    </cs:fontRef>
+    <cs:spPr>
+      <a:ln w="9525" cap="flat" cmpd="sng" algn="ctr">
+        <a:solidFill>
+          <a:schemeClr val="lt1">
+            <a:lumMod val="95000"/>
+            <a:alpha val="54000"/>
+          </a:schemeClr>
+        </a:solidFill>
+        <a:round/>
+      </a:ln>
+    </cs:spPr>
+  </cs:seriesLine>
+  <cs:title>
+    <cs:lnRef idx="0"/>
+    <cs:fillRef idx="0"/>
+    <cs:effectRef idx="0"/>
+    <cs:fontRef idx="minor">
+      <a:schemeClr val="lt1">
+        <a:lumMod val="95000"/>
+      </a:schemeClr>
+    </cs:fontRef>
+    <cs:defRPr sz="2128" b="1" kern="1200" spc="100" baseline="0">
+      <a:effectLst>
+        <a:outerShdw blurRad="50800" dist="38100" dir="5400000" algn="t" rotWithShape="0">
+          <a:prstClr val="black">
+            <a:alpha val="40000"/>
+          </a:prstClr>
+        </a:outerShdw>
+      </a:effectLst>
+    </cs:defRPr>
+  </cs:title>
+  <cs:trendline>
+    <cs:lnRef idx="0">
+      <cs:styleClr val="auto"/>
+    </cs:lnRef>
+    <cs:fillRef idx="0"/>
+    <cs:effectRef idx="0"/>
+    <cs:fontRef idx="minor">
+      <a:schemeClr val="lt1"/>
+    </cs:fontRef>
+    <cs:spPr>
+      <a:ln w="19050" cap="rnd">
+        <a:solidFill>
+          <a:schemeClr val="phClr"/>
+        </a:solidFill>
+      </a:ln>
+    </cs:spPr>
+  </cs:trendline>
+  <cs:trendlineLabel>
+    <cs:lnRef idx="0"/>
+    <cs:fillRef idx="0"/>
+    <cs:effectRef idx="0"/>
+    <cs:fontRef idx="minor">
+      <a:schemeClr val="lt1">
+        <a:lumMod val="85000"/>
+      </a:schemeClr>
+    </cs:fontRef>
+    <cs:defRPr sz="1197" kern="1200"/>
+  </cs:trendlineLabel>
+  <cs:upBar>
+    <cs:lnRef idx="0"/>
+    <cs:fillRef idx="0"/>
+    <cs:effectRef idx="0"/>
+    <cs:fontRef idx="minor">
+      <a:schemeClr val="lt1"/>
+    </cs:fontRef>
+    <cs:spPr>
+      <a:solidFill>
+        <a:schemeClr val="lt1"/>
+      </a:solidFill>
+      <a:ln w="9525">
+        <a:solidFill>
+          <a:schemeClr val="lt1">
+            <a:lumMod val="95000"/>
+            <a:alpha val="54000"/>
+          </a:schemeClr>
+        </a:solidFill>
+      </a:ln>
+    </cs:spPr>
+  </cs:upBar>
+  <cs:valueAxis>
+    <cs:lnRef idx="0"/>
+    <cs:fillRef idx="0"/>
+    <cs:effectRef idx="0"/>
+    <cs:fontRef idx="minor">
+      <a:schemeClr val="lt1">
+        <a:lumMod val="85000"/>
+      </a:schemeClr>
+    </cs:fontRef>
+    <cs:defRPr sz="1197" kern="1200"/>
+  </cs:valueAxis>
+  <cs:wall>
+    <cs:lnRef idx="0"/>
+    <cs:fillRef idx="0"/>
+    <cs:effectRef idx="0"/>
+    <cs:fontRef idx="minor">
+      <a:schemeClr val="lt1"/>
+    </cs:fontRef>
+  </cs:wall>
+</cs:chartStyle>
+</file>
+
+<file path=ppt/charts/style4.xml><?xml version="1.0" encoding="utf-8"?>
+<cs:chartStyle xmlns:cs="http://schemas.microsoft.com/office/drawing/2012/chartStyle" xmlns:a="http://schemas.openxmlformats.org/drawingml/2006/main" id="209">
+  <cs:axisTitle>
+    <cs:lnRef idx="0"/>
+    <cs:fillRef idx="0"/>
+    <cs:effectRef idx="0"/>
+    <cs:fontRef idx="minor">
+      <a:schemeClr val="lt1">
+        <a:lumMod val="85000"/>
+      </a:schemeClr>
+    </cs:fontRef>
+    <cs:defRPr sz="1197" b="1" kern="1200" cap="all"/>
+  </cs:axisTitle>
+  <cs:categoryAxis>
+    <cs:lnRef idx="0"/>
+    <cs:fillRef idx="0"/>
+    <cs:effectRef idx="0"/>
+    <cs:fontRef idx="minor">
+      <a:schemeClr val="lt1">
+        <a:lumMod val="85000"/>
+      </a:schemeClr>
+    </cs:fontRef>
+    <cs:spPr>
+      <a:ln w="12700" cap="flat" cmpd="sng" algn="ctr">
+        <a:solidFill>
+          <a:schemeClr val="lt1">
+            <a:lumMod val="95000"/>
+            <a:alpha val="54000"/>
+          </a:schemeClr>
+        </a:solidFill>
+        <a:round/>
+      </a:ln>
+    </cs:spPr>
+    <cs:defRPr sz="1197" kern="1200"/>
+  </cs:categoryAxis>
+  <cs:chartArea>
+    <cs:lnRef idx="0"/>
+    <cs:fillRef idx="0"/>
+    <cs:effectRef idx="0"/>
+    <cs:fontRef idx="minor">
+      <a:schemeClr val="dk1"/>
+    </cs:fontRef>
+    <cs:spPr>
+      <a:gradFill flip="none" rotWithShape="1">
+        <a:gsLst>
+          <a:gs pos="0">
+            <a:schemeClr val="dk1">
+              <a:lumMod val="65000"/>
+              <a:lumOff val="35000"/>
+            </a:schemeClr>
+          </a:gs>
+          <a:gs pos="100000">
+            <a:schemeClr val="dk1">
+              <a:lumMod val="85000"/>
+              <a:lumOff val="15000"/>
+            </a:schemeClr>
+          </a:gs>
+        </a:gsLst>
+        <a:path path="circle">
+          <a:fillToRect l="50000" t="50000" r="50000" b="50000"/>
+        </a:path>
+        <a:tileRect/>
+      </a:gradFill>
+    </cs:spPr>
+    <cs:defRPr sz="1330" kern="1200"/>
+  </cs:chartArea>
+  <cs:dataLabel>
+    <cs:lnRef idx="0"/>
+    <cs:fillRef idx="0"/>
+    <cs:effectRef idx="0"/>
+    <cs:fontRef idx="minor">
+      <a:schemeClr val="lt1">
+        <a:lumMod val="85000"/>
+      </a:schemeClr>
+    </cs:fontRef>
+    <cs:defRPr sz="1197" kern="1200"/>
+  </cs:dataLabel>
+  <cs:dataLabelCallout>
+    <cs:lnRef idx="0"/>
+    <cs:fillRef idx="0"/>
+    <cs:effectRef idx="0"/>
+    <cs:fontRef idx="minor">
+      <a:schemeClr val="dk1">
+        <a:lumMod val="65000"/>
+        <a:lumOff val="35000"/>
+      </a:schemeClr>
+    </cs:fontRef>
+    <cs:spPr>
+      <a:solidFill>
+        <a:schemeClr val="lt1"/>
+      </a:solidFill>
+    </cs:spPr>
+    <cs:defRPr sz="1197" kern="1200"/>
+    <cs:bodyPr rot="0" spcFirstLastPara="1" vertOverflow="clip" horzOverflow="clip" vert="horz" wrap="square" lIns="36576" tIns="18288" rIns="36576" bIns="18288" anchor="ctr" anchorCtr="1">
+      <a:spAutoFit/>
+    </cs:bodyPr>
+  </cs:dataLabelCallout>
+  <cs:dataPoint>
+    <cs:lnRef idx="0"/>
+    <cs:fillRef idx="3">
+      <cs:styleClr val="auto"/>
+    </cs:fillRef>
+    <cs:effectRef idx="3"/>
+    <cs:fontRef idx="minor">
+      <a:schemeClr val="lt1"/>
+    </cs:fontRef>
+  </cs:dataPoint>
+  <cs:dataPoint3D>
+    <cs:lnRef idx="0"/>
+    <cs:fillRef idx="3">
+      <cs:styleClr val="auto"/>
+    </cs:fillRef>
+    <cs:effectRef idx="3"/>
+    <cs:fontRef idx="minor">
+      <a:schemeClr val="lt1"/>
+    </cs:fontRef>
+  </cs:dataPoint3D>
+  <cs:dataPointLine>
+    <cs:lnRef idx="0">
+      <cs:styleClr val="auto"/>
+    </cs:lnRef>
+    <cs:fillRef idx="3"/>
+    <cs:effectRef idx="3"/>
+    <cs:fontRef idx="minor">
+      <a:schemeClr val="lt1"/>
+    </cs:fontRef>
+    <cs:spPr>
+      <a:ln w="34925" cap="rnd">
+        <a:solidFill>
+          <a:schemeClr val="phClr"/>
+        </a:solidFill>
+        <a:round/>
+      </a:ln>
+    </cs:spPr>
+  </cs:dataPointLine>
+  <cs:dataPointMarker>
+    <cs:lnRef idx="0">
+      <cs:styleClr val="auto"/>
+    </cs:lnRef>
+    <cs:fillRef idx="3">
+      <cs:styleClr val="auto"/>
+    </cs:fillRef>
+    <cs:effectRef idx="3"/>
+    <cs:fontRef idx="minor">
+      <a:schemeClr val="lt1"/>
+    </cs:fontRef>
+    <cs:spPr>
+      <a:ln w="9525">
+        <a:solidFill>
+          <a:schemeClr val="phClr"/>
+        </a:solidFill>
+        <a:round/>
+      </a:ln>
+    </cs:spPr>
+  </cs:dataPointMarker>
+  <cs:dataPointMarkerLayout symbol="circle" size="6"/>
+  <cs:dataPointWireframe>
+    <cs:lnRef idx="0">
+      <cs:styleClr val="auto"/>
+    </cs:lnRef>
+    <cs:fillRef idx="3"/>
+    <cs:effectRef idx="3"/>
+    <cs:fontRef idx="minor">
+      <a:schemeClr val="lt1"/>
+    </cs:fontRef>
+    <cs:spPr>
+      <a:ln w="9525" cap="rnd">
+        <a:solidFill>
+          <a:schemeClr val="phClr"/>
+        </a:solidFill>
+        <a:round/>
+      </a:ln>
+    </cs:spPr>
+  </cs:dataPointWireframe>
+  <cs:dataTable>
+    <cs:lnRef idx="0"/>
+    <cs:fillRef idx="0"/>
+    <cs:effectRef idx="0"/>
+    <cs:fontRef idx="minor">
+      <a:schemeClr val="lt1">
+        <a:lumMod val="85000"/>
+      </a:schemeClr>
+    </cs:fontRef>
+    <cs:spPr>
+      <a:ln w="9525">
+        <a:solidFill>
+          <a:schemeClr val="lt1">
+            <a:lumMod val="95000"/>
+            <a:alpha val="54000"/>
+          </a:schemeClr>
+        </a:solidFill>
+      </a:ln>
+    </cs:spPr>
+    <cs:defRPr sz="1197" kern="1200"/>
+  </cs:dataTable>
+  <cs:downBar>
+    <cs:lnRef idx="0"/>
+    <cs:fillRef idx="0"/>
+    <cs:effectRef idx="0"/>
+    <cs:fontRef idx="minor">
+      <a:schemeClr val="lt1"/>
+    </cs:fontRef>
+    <cs:spPr>
+      <a:solidFill>
+        <a:schemeClr val="dk1">
+          <a:lumMod val="75000"/>
+          <a:lumOff val="25000"/>
+        </a:schemeClr>
+      </a:solidFill>
+      <a:ln w="9525">
+        <a:solidFill>
+          <a:schemeClr val="lt1">
+            <a:lumMod val="95000"/>
+            <a:alpha val="54000"/>
+          </a:schemeClr>
+        </a:solidFill>
+      </a:ln>
+    </cs:spPr>
+  </cs:downBar>
+  <cs:dropLine>
+    <cs:lnRef idx="0"/>
+    <cs:fillRef idx="0"/>
+    <cs:effectRef idx="0"/>
+    <cs:fontRef idx="minor">
+      <a:schemeClr val="lt1"/>
+    </cs:fontRef>
+    <cs:spPr>
+      <a:ln w="9525">
+        <a:solidFill>
+          <a:schemeClr val="lt1">
+            <a:lumMod val="95000"/>
+            <a:alpha val="54000"/>
+          </a:schemeClr>
+        </a:solidFill>
+        <a:prstDash val="dash"/>
+      </a:ln>
+    </cs:spPr>
+  </cs:dropLine>
+  <cs:errorBar>
+    <cs:lnRef idx="0"/>
+    <cs:fillRef idx="0"/>
+    <cs:effectRef idx="0"/>
+    <cs:fontRef idx="minor">
+      <a:schemeClr val="lt1"/>
+    </cs:fontRef>
+    <cs:spPr>
+      <a:ln w="9525" cap="flat" cmpd="sng" algn="ctr">
+        <a:solidFill>
+          <a:schemeClr val="lt1">
+            <a:lumMod val="95000"/>
+          </a:schemeClr>
+        </a:solidFill>
+        <a:round/>
+      </a:ln>
+    </cs:spPr>
+  </cs:errorBar>
+  <cs:floor>
+    <cs:lnRef idx="0"/>
+    <cs:fillRef idx="0"/>
+    <cs:effectRef idx="0"/>
+    <cs:fontRef idx="minor">
+      <a:schemeClr val="lt1"/>
+    </cs:fontRef>
+  </cs:floor>
+  <cs:gridlineMajor>
+    <cs:lnRef idx="0"/>
+    <cs:fillRef idx="0"/>
+    <cs:effectRef idx="0"/>
+    <cs:fontRef idx="minor">
+      <a:schemeClr val="lt1"/>
+    </cs:fontRef>
+    <cs:spPr>
+      <a:ln w="9525" cap="flat" cmpd="sng" algn="ctr">
+        <a:solidFill>
+          <a:schemeClr val="lt1">
+            <a:lumMod val="95000"/>
+            <a:alpha val="10000"/>
+          </a:schemeClr>
+        </a:solidFill>
+        <a:round/>
+      </a:ln>
+    </cs:spPr>
+  </cs:gridlineMajor>
+  <cs:gridlineMinor>
+    <cs:lnRef idx="0"/>
+    <cs:fillRef idx="0"/>
+    <cs:effectRef idx="0"/>
+    <cs:fontRef idx="minor">
+      <a:schemeClr val="lt1"/>
+    </cs:fontRef>
+    <cs:spPr>
+      <a:ln>
+        <a:solidFill>
+          <a:schemeClr val="lt1">
+            <a:lumMod val="95000"/>
+            <a:alpha val="5000"/>
+          </a:schemeClr>
+        </a:solidFill>
+      </a:ln>
+    </cs:spPr>
+  </cs:gridlineMinor>
+  <cs:hiLoLine>
+    <cs:lnRef idx="0"/>
+    <cs:fillRef idx="0"/>
+    <cs:effectRef idx="0"/>
+    <cs:fontRef idx="minor">
+      <a:schemeClr val="lt1"/>
+    </cs:fontRef>
+    <cs:spPr>
+      <a:ln w="9525">
+        <a:solidFill>
+          <a:schemeClr val="lt1">
+            <a:lumMod val="95000"/>
+            <a:alpha val="54000"/>
+          </a:schemeClr>
+        </a:solidFill>
+        <a:prstDash val="dash"/>
+      </a:ln>
+    </cs:spPr>
+  </cs:hiLoLine>
+  <cs:leaderLine>
+    <cs:lnRef idx="0"/>
+    <cs:fillRef idx="0"/>
+    <cs:effectRef idx="0"/>
+    <cs:fontRef idx="minor">
+      <a:schemeClr val="lt1"/>
+    </cs:fontRef>
+    <cs:spPr>
+      <a:ln w="9525">
+        <a:solidFill>
+          <a:schemeClr val="lt1">
+            <a:lumMod val="95000"/>
+            <a:alpha val="54000"/>
+          </a:schemeClr>
+        </a:solidFill>
+      </a:ln>
+    </cs:spPr>
+  </cs:leaderLine>
+  <cs:legend>
+    <cs:lnRef idx="0"/>
+    <cs:fillRef idx="0"/>
+    <cs:effectRef idx="0"/>
+    <cs:fontRef idx="minor">
+      <a:schemeClr val="lt1">
+        <a:lumMod val="85000"/>
+      </a:schemeClr>
+    </cs:fontRef>
+    <cs:defRPr sz="1197" kern="1200"/>
+  </cs:legend>
+  <cs:plotArea>
+    <cs:lnRef idx="0"/>
+    <cs:fillRef idx="0"/>
+    <cs:effectRef idx="0"/>
+    <cs:fontRef idx="minor">
+      <a:schemeClr val="lt1"/>
+    </cs:fontRef>
+  </cs:plotArea>
+  <cs:plotArea3D>
+    <cs:lnRef idx="0"/>
+    <cs:fillRef idx="0"/>
+    <cs:effectRef idx="0"/>
+    <cs:fontRef idx="minor">
+      <a:schemeClr val="lt1"/>
+    </cs:fontRef>
+  </cs:plotArea3D>
+  <cs:seriesAxis>
+    <cs:lnRef idx="0"/>
+    <cs:fillRef idx="0"/>
+    <cs:effectRef idx="0"/>
+    <cs:fontRef idx="minor">
+      <a:schemeClr val="lt1">
+        <a:lumMod val="85000"/>
+      </a:schemeClr>
+    </cs:fontRef>
+    <cs:spPr>
+      <a:ln w="12700" cap="flat" cmpd="sng" algn="ctr">
+        <a:solidFill>
+          <a:schemeClr val="lt1">
+            <a:lumMod val="95000"/>
+            <a:alpha val="54000"/>
+          </a:schemeClr>
+        </a:solidFill>
+        <a:round/>
+      </a:ln>
+    </cs:spPr>
+    <cs:defRPr sz="1197" kern="1200"/>
+  </cs:seriesAxis>
+  <cs:seriesLine>
+    <cs:lnRef idx="0"/>
+    <cs:fillRef idx="0"/>
+    <cs:effectRef idx="0"/>
+    <cs:fontRef idx="minor">
+      <a:schemeClr val="lt1"/>
+    </cs:fontRef>
+    <cs:spPr>
+      <a:ln w="9525" cap="flat" cmpd="sng" algn="ctr">
+        <a:solidFill>
+          <a:schemeClr val="lt1">
+            <a:lumMod val="95000"/>
+            <a:alpha val="54000"/>
+          </a:schemeClr>
+        </a:solidFill>
+        <a:round/>
+      </a:ln>
+    </cs:spPr>
+  </cs:seriesLine>
+  <cs:title>
+    <cs:lnRef idx="0"/>
+    <cs:fillRef idx="0"/>
+    <cs:effectRef idx="0"/>
+    <cs:fontRef idx="minor">
+      <a:schemeClr val="lt1">
+        <a:lumMod val="95000"/>
+      </a:schemeClr>
+    </cs:fontRef>
+    <cs:defRPr sz="2128" b="1" kern="1200" spc="100" baseline="0">
+      <a:effectLst>
+        <a:outerShdw blurRad="50800" dist="38100" dir="5400000" algn="t" rotWithShape="0">
+          <a:prstClr val="black">
+            <a:alpha val="40000"/>
+          </a:prstClr>
+        </a:outerShdw>
+      </a:effectLst>
+    </cs:defRPr>
+  </cs:title>
+  <cs:trendline>
+    <cs:lnRef idx="0">
+      <cs:styleClr val="auto"/>
+    </cs:lnRef>
+    <cs:fillRef idx="0"/>
+    <cs:effectRef idx="0"/>
+    <cs:fontRef idx="minor">
+      <a:schemeClr val="lt1"/>
+    </cs:fontRef>
+    <cs:spPr>
+      <a:ln w="19050" cap="rnd">
+        <a:solidFill>
+          <a:schemeClr val="phClr"/>
+        </a:solidFill>
+      </a:ln>
+    </cs:spPr>
+  </cs:trendline>
+  <cs:trendlineLabel>
+    <cs:lnRef idx="0"/>
+    <cs:fillRef idx="0"/>
+    <cs:effectRef idx="0"/>
+    <cs:fontRef idx="minor">
+      <a:schemeClr val="lt1">
+        <a:lumMod val="85000"/>
+      </a:schemeClr>
+    </cs:fontRef>
+    <cs:defRPr sz="1197" kern="1200"/>
+  </cs:trendlineLabel>
+  <cs:upBar>
+    <cs:lnRef idx="0"/>
+    <cs:fillRef idx="0"/>
+    <cs:effectRef idx="0"/>
+    <cs:fontRef idx="minor">
+      <a:schemeClr val="lt1"/>
+    </cs:fontRef>
+    <cs:spPr>
+      <a:solidFill>
+        <a:schemeClr val="lt1"/>
+      </a:solidFill>
+      <a:ln w="9525">
+        <a:solidFill>
+          <a:schemeClr val="lt1">
+            <a:lumMod val="95000"/>
+            <a:alpha val="54000"/>
+          </a:schemeClr>
+        </a:solidFill>
+      </a:ln>
+    </cs:spPr>
+  </cs:upBar>
+  <cs:valueAxis>
+    <cs:lnRef idx="0"/>
+    <cs:fillRef idx="0"/>
+    <cs:effectRef idx="0"/>
+    <cs:fontRef idx="minor">
+      <a:schemeClr val="lt1">
+        <a:lumMod val="85000"/>
+      </a:schemeClr>
+    </cs:fontRef>
+    <cs:defRPr sz="1197" kern="1200"/>
+  </cs:valueAxis>
+  <cs:wall>
+    <cs:lnRef idx="0"/>
+    <cs:fillRef idx="0"/>
+    <cs:effectRef idx="0"/>
+    <cs:fontRef idx="minor">
+      <a:schemeClr val="lt1"/>
+    </cs:fontRef>
+  </cs:wall>
+</cs:chartStyle>
+</file>
+
+<file path=ppt/charts/style5.xml><?xml version="1.0" encoding="utf-8"?>
 <cs:chartStyle xmlns:cs="http://schemas.microsoft.com/office/drawing/2012/chartStyle" xmlns:a="http://schemas.openxmlformats.org/drawingml/2006/main" id="209">
   <cs:axisTitle>
     <cs:lnRef idx="0"/>
@@ -20050,6 +22090,1282 @@
 </p:sld>
 </file>
 
+<file path=ppt/slides/slide15.xml><?xml version="1.0" encoding="utf-8"?>
+<p:sld xmlns:a="http://schemas.openxmlformats.org/drawingml/2006/main" xmlns:r="http://schemas.openxmlformats.org/officeDocument/2006/relationships" xmlns:p="http://schemas.openxmlformats.org/presentationml/2006/main">
+  <p:cSld>
+    <p:spTree>
+      <p:nvGrpSpPr>
+        <p:cNvPr id="1" name=""/>
+        <p:cNvGrpSpPr/>
+        <p:nvPr/>
+      </p:nvGrpSpPr>
+      <p:grpSpPr>
+        <a:xfrm>
+          <a:off x="0" y="0"/>
+          <a:ext cx="0" cy="0"/>
+          <a:chOff x="0" y="0"/>
+          <a:chExt cx="0" cy="0"/>
+        </a:xfrm>
+      </p:grpSpPr>
+      <p:sp>
+        <p:nvSpPr>
+          <p:cNvPr id="2" name="Title 1"/>
+          <p:cNvSpPr>
+            <a:spLocks noGrp="1"/>
+          </p:cNvSpPr>
+          <p:nvPr>
+            <p:ph type="title"/>
+          </p:nvPr>
+        </p:nvSpPr>
+        <p:spPr>
+          <a:xfrm>
+            <a:off x="1489391" y="2667598"/>
+            <a:ext cx="9404723" cy="1400530"/>
+          </a:xfrm>
+        </p:spPr>
+        <p:txBody>
+          <a:bodyPr/>
+          <a:lstStyle/>
+          <a:p>
+            <a:pPr algn="ctr"/>
+            <a:r>
+              <a:rPr lang="en-US" b="1" dirty="0"/>
+              <a:t>Building a better model using Random Forest</a:t>
+            </a:r>
+          </a:p>
+        </p:txBody>
+      </p:sp>
+    </p:spTree>
+    <p:extLst>
+      <p:ext uri="{BB962C8B-B14F-4D97-AF65-F5344CB8AC3E}">
+        <p14:creationId xmlns:p14="http://schemas.microsoft.com/office/powerpoint/2010/main" val="2803065829"/>
+      </p:ext>
+    </p:extLst>
+  </p:cSld>
+  <p:clrMapOvr>
+    <a:masterClrMapping/>
+  </p:clrMapOvr>
+</p:sld>
+</file>
+
+<file path=ppt/slides/slide16.xml><?xml version="1.0" encoding="utf-8"?>
+<p:sld xmlns:a="http://schemas.openxmlformats.org/drawingml/2006/main" xmlns:r="http://schemas.openxmlformats.org/officeDocument/2006/relationships" xmlns:p="http://schemas.openxmlformats.org/presentationml/2006/main">
+  <p:cSld>
+    <p:spTree>
+      <p:nvGrpSpPr>
+        <p:cNvPr id="1" name=""/>
+        <p:cNvGrpSpPr/>
+        <p:nvPr/>
+      </p:nvGrpSpPr>
+      <p:grpSpPr>
+        <a:xfrm>
+          <a:off x="0" y="0"/>
+          <a:ext cx="0" cy="0"/>
+          <a:chOff x="0" y="0"/>
+          <a:chExt cx="0" cy="0"/>
+        </a:xfrm>
+      </p:grpSpPr>
+      <p:sp>
+        <p:nvSpPr>
+          <p:cNvPr id="2" name="Title 1"/>
+          <p:cNvSpPr>
+            <a:spLocks noGrp="1"/>
+          </p:cNvSpPr>
+          <p:nvPr>
+            <p:ph type="title"/>
+          </p:nvPr>
+        </p:nvSpPr>
+        <p:spPr/>
+        <p:txBody>
+          <a:bodyPr/>
+          <a:lstStyle/>
+          <a:p>
+            <a:r>
+              <a:rPr lang="en-US" sz="4000" b="1" dirty="0"/>
+              <a:t>Random Forest Feature Importance</a:t>
+            </a:r>
+          </a:p>
+        </p:txBody>
+      </p:sp>
+      <p:sp>
+        <p:nvSpPr>
+          <p:cNvPr id="3" name="Content Placeholder 2"/>
+          <p:cNvSpPr>
+            <a:spLocks noGrp="1"/>
+          </p:cNvSpPr>
+          <p:nvPr>
+            <p:ph idx="1"/>
+          </p:nvPr>
+        </p:nvSpPr>
+        <p:spPr>
+          <a:xfrm>
+            <a:off x="828992" y="2415874"/>
+            <a:ext cx="3204528" cy="4195481"/>
+          </a:xfrm>
+        </p:spPr>
+        <p:txBody>
+          <a:bodyPr/>
+          <a:lstStyle/>
+          <a:p>
+            <a:pPr marL="0" indent="0" algn="ctr">
+              <a:buNone/>
+            </a:pPr>
+            <a:r>
+              <a:rPr lang="en-US" sz="2400" b="1" dirty="0"/>
+              <a:t>Predicting Matches</a:t>
+            </a:r>
+          </a:p>
+          <a:p>
+            <a:pPr marL="0" indent="0">
+              <a:buNone/>
+            </a:pPr>
+            <a:endParaRPr lang="en-US" sz="2400" b="1" dirty="0"/>
+          </a:p>
+          <a:p>
+            <a:r>
+              <a:rPr lang="en-US" b="1" dirty="0"/>
+              <a:t>F rating of Partner Shared Interests</a:t>
+            </a:r>
+          </a:p>
+          <a:p>
+            <a:r>
+              <a:rPr lang="en-US" b="1" dirty="0"/>
+              <a:t>M rating of partner Attractiveness</a:t>
+            </a:r>
+          </a:p>
+          <a:p>
+            <a:r>
+              <a:rPr lang="en-US" b="1" dirty="0"/>
+              <a:t>Female Age</a:t>
+            </a:r>
+          </a:p>
+          <a:p>
+            <a:r>
+              <a:rPr lang="en-US" b="1" dirty="0"/>
+              <a:t>F rating of Partner Fun</a:t>
+            </a:r>
+          </a:p>
+          <a:p>
+            <a:endParaRPr lang="en-US" b="1" dirty="0"/>
+          </a:p>
+          <a:p>
+            <a:endParaRPr lang="en-US" b="1" dirty="0"/>
+          </a:p>
+        </p:txBody>
+      </p:sp>
+      <p:sp>
+        <p:nvSpPr>
+          <p:cNvPr id="4" name="Content Placeholder 2"/>
+          <p:cNvSpPr txBox="1">
+            <a:spLocks/>
+          </p:cNvSpPr>
+          <p:nvPr/>
+        </p:nvSpPr>
+        <p:spPr>
+          <a:xfrm>
+            <a:off x="8560752" y="2415875"/>
+            <a:ext cx="3204528" cy="3070227"/>
+          </a:xfrm>
+          <a:prstGeom prst="rect">
+            <a:avLst/>
+          </a:prstGeom>
+        </p:spPr>
+        <p:txBody>
+          <a:bodyPr vert="horz" lIns="91440" tIns="45720" rIns="91440" bIns="45720" rtlCol="0">
+            <a:normAutofit/>
+          </a:bodyPr>
+          <a:lstStyle>
+            <a:lvl1pPr marL="342900" indent="-342900" algn="l" defTabSz="457200" rtl="0" eaLnBrk="1" latinLnBrk="0" hangingPunct="1">
+              <a:spcBef>
+                <a:spcPts val="1000"/>
+              </a:spcBef>
+              <a:spcAft>
+                <a:spcPts val="0"/>
+              </a:spcAft>
+              <a:buClr>
+                <a:schemeClr val="bg2">
+                  <a:lumMod val="40000"/>
+                  <a:lumOff val="60000"/>
+                </a:schemeClr>
+              </a:buClr>
+              <a:buSzPct val="80000"/>
+              <a:buFont typeface="Wingdings 3" charset="2"/>
+              <a:buChar char=""/>
+              <a:defRPr sz="2000" b="0" i="0" kern="1200">
+                <a:solidFill>
+                  <a:schemeClr val="tx1"/>
+                </a:solidFill>
+                <a:latin typeface="+mj-lt"/>
+                <a:ea typeface="+mj-ea"/>
+                <a:cs typeface="+mj-cs"/>
+              </a:defRPr>
+            </a:lvl1pPr>
+            <a:lvl2pPr marL="742950" indent="-285750" algn="l" defTabSz="457200" rtl="0" eaLnBrk="1" latinLnBrk="0" hangingPunct="1">
+              <a:spcBef>
+                <a:spcPts val="1000"/>
+              </a:spcBef>
+              <a:spcAft>
+                <a:spcPts val="0"/>
+              </a:spcAft>
+              <a:buClr>
+                <a:schemeClr val="bg2">
+                  <a:lumMod val="40000"/>
+                  <a:lumOff val="60000"/>
+                </a:schemeClr>
+              </a:buClr>
+              <a:buSzPct val="80000"/>
+              <a:buFont typeface="Wingdings 3" charset="2"/>
+              <a:buChar char=""/>
+              <a:defRPr sz="1800" b="0" i="0" kern="1200">
+                <a:solidFill>
+                  <a:schemeClr val="tx1"/>
+                </a:solidFill>
+                <a:latin typeface="+mj-lt"/>
+                <a:ea typeface="+mj-ea"/>
+                <a:cs typeface="+mj-cs"/>
+              </a:defRPr>
+            </a:lvl2pPr>
+            <a:lvl3pPr marL="1143000" indent="-228600" algn="l" defTabSz="457200" rtl="0" eaLnBrk="1" latinLnBrk="0" hangingPunct="1">
+              <a:spcBef>
+                <a:spcPts val="1000"/>
+              </a:spcBef>
+              <a:spcAft>
+                <a:spcPts val="0"/>
+              </a:spcAft>
+              <a:buClr>
+                <a:schemeClr val="bg2">
+                  <a:lumMod val="40000"/>
+                  <a:lumOff val="60000"/>
+                </a:schemeClr>
+              </a:buClr>
+              <a:buSzPct val="80000"/>
+              <a:buFont typeface="Wingdings 3" charset="2"/>
+              <a:buChar char=""/>
+              <a:defRPr sz="1600" b="0" i="0" kern="1200">
+                <a:solidFill>
+                  <a:schemeClr val="tx1"/>
+                </a:solidFill>
+                <a:latin typeface="+mj-lt"/>
+                <a:ea typeface="+mj-ea"/>
+                <a:cs typeface="+mj-cs"/>
+              </a:defRPr>
+            </a:lvl3pPr>
+            <a:lvl4pPr marL="1600200" indent="-228600" algn="l" defTabSz="457200" rtl="0" eaLnBrk="1" latinLnBrk="0" hangingPunct="1">
+              <a:spcBef>
+                <a:spcPts val="1000"/>
+              </a:spcBef>
+              <a:spcAft>
+                <a:spcPts val="0"/>
+              </a:spcAft>
+              <a:buClr>
+                <a:schemeClr val="bg2">
+                  <a:lumMod val="40000"/>
+                  <a:lumOff val="60000"/>
+                </a:schemeClr>
+              </a:buClr>
+              <a:buSzPct val="80000"/>
+              <a:buFont typeface="Wingdings 3" charset="2"/>
+              <a:buChar char=""/>
+              <a:defRPr sz="1400" b="0" i="0" kern="1200">
+                <a:solidFill>
+                  <a:schemeClr val="tx1"/>
+                </a:solidFill>
+                <a:latin typeface="+mj-lt"/>
+                <a:ea typeface="+mj-ea"/>
+                <a:cs typeface="+mj-cs"/>
+              </a:defRPr>
+            </a:lvl4pPr>
+            <a:lvl5pPr marL="2057400" indent="-228600" algn="l" defTabSz="457200" rtl="0" eaLnBrk="1" latinLnBrk="0" hangingPunct="1">
+              <a:spcBef>
+                <a:spcPts val="1000"/>
+              </a:spcBef>
+              <a:spcAft>
+                <a:spcPts val="0"/>
+              </a:spcAft>
+              <a:buClr>
+                <a:schemeClr val="bg2">
+                  <a:lumMod val="40000"/>
+                  <a:lumOff val="60000"/>
+                </a:schemeClr>
+              </a:buClr>
+              <a:buSzPct val="80000"/>
+              <a:buFont typeface="Wingdings 3" charset="2"/>
+              <a:buChar char=""/>
+              <a:defRPr sz="1400" b="0" i="0" kern="1200">
+                <a:solidFill>
+                  <a:schemeClr val="tx1"/>
+                </a:solidFill>
+                <a:latin typeface="+mj-lt"/>
+                <a:ea typeface="+mj-ea"/>
+                <a:cs typeface="+mj-cs"/>
+              </a:defRPr>
+            </a:lvl5pPr>
+            <a:lvl6pPr marL="2506000" indent="-228600" algn="l" defTabSz="457200" rtl="0" eaLnBrk="1" latinLnBrk="0" hangingPunct="1">
+              <a:spcBef>
+                <a:spcPts val="1000"/>
+              </a:spcBef>
+              <a:spcAft>
+                <a:spcPts val="0"/>
+              </a:spcAft>
+              <a:buClr>
+                <a:schemeClr val="bg2">
+                  <a:lumMod val="40000"/>
+                  <a:lumOff val="60000"/>
+                </a:schemeClr>
+              </a:buClr>
+              <a:buSzPct val="80000"/>
+              <a:buFont typeface="Wingdings 3" charset="2"/>
+              <a:buChar char=""/>
+              <a:defRPr sz="1400" b="0" i="0" kern="1200">
+                <a:solidFill>
+                  <a:schemeClr val="tx1"/>
+                </a:solidFill>
+                <a:latin typeface="+mj-lt"/>
+                <a:ea typeface="+mj-ea"/>
+                <a:cs typeface="+mj-cs"/>
+              </a:defRPr>
+            </a:lvl6pPr>
+            <a:lvl7pPr marL="2971800" indent="-228600" algn="l" defTabSz="457200" rtl="0" eaLnBrk="1" latinLnBrk="0" hangingPunct="1">
+              <a:spcBef>
+                <a:spcPts val="1000"/>
+              </a:spcBef>
+              <a:spcAft>
+                <a:spcPts val="0"/>
+              </a:spcAft>
+              <a:buClr>
+                <a:schemeClr val="bg2">
+                  <a:lumMod val="40000"/>
+                  <a:lumOff val="60000"/>
+                </a:schemeClr>
+              </a:buClr>
+              <a:buSzPct val="80000"/>
+              <a:buFont typeface="Wingdings 3" charset="2"/>
+              <a:buChar char=""/>
+              <a:defRPr sz="1400" b="0" i="0" kern="1200">
+                <a:solidFill>
+                  <a:schemeClr val="tx1"/>
+                </a:solidFill>
+                <a:latin typeface="+mj-lt"/>
+                <a:ea typeface="+mj-ea"/>
+                <a:cs typeface="+mj-cs"/>
+              </a:defRPr>
+            </a:lvl7pPr>
+            <a:lvl8pPr marL="3429000" indent="-228600" algn="l" defTabSz="457200" rtl="0" eaLnBrk="1" latinLnBrk="0" hangingPunct="1">
+              <a:spcBef>
+                <a:spcPts val="1000"/>
+              </a:spcBef>
+              <a:spcAft>
+                <a:spcPts val="0"/>
+              </a:spcAft>
+              <a:buClr>
+                <a:schemeClr val="bg2">
+                  <a:lumMod val="40000"/>
+                  <a:lumOff val="60000"/>
+                </a:schemeClr>
+              </a:buClr>
+              <a:buSzPct val="80000"/>
+              <a:buFont typeface="Wingdings 3" charset="2"/>
+              <a:buChar char=""/>
+              <a:defRPr sz="1400" b="0" i="0" kern="1200">
+                <a:solidFill>
+                  <a:schemeClr val="tx1"/>
+                </a:solidFill>
+                <a:latin typeface="+mj-lt"/>
+                <a:ea typeface="+mj-ea"/>
+                <a:cs typeface="+mj-cs"/>
+              </a:defRPr>
+            </a:lvl8pPr>
+            <a:lvl9pPr marL="3886200" indent="-228600" algn="l" defTabSz="457200" rtl="0" eaLnBrk="1" latinLnBrk="0" hangingPunct="1">
+              <a:spcBef>
+                <a:spcPts val="1000"/>
+              </a:spcBef>
+              <a:spcAft>
+                <a:spcPts val="0"/>
+              </a:spcAft>
+              <a:buClr>
+                <a:schemeClr val="bg2">
+                  <a:lumMod val="40000"/>
+                  <a:lumOff val="60000"/>
+                </a:schemeClr>
+              </a:buClr>
+              <a:buSzPct val="80000"/>
+              <a:buFont typeface="Wingdings 3" charset="2"/>
+              <a:buChar char=""/>
+              <a:defRPr sz="1400" b="0" i="0" kern="1200">
+                <a:solidFill>
+                  <a:schemeClr val="tx1"/>
+                </a:solidFill>
+                <a:latin typeface="+mj-lt"/>
+                <a:ea typeface="+mj-ea"/>
+                <a:cs typeface="+mj-cs"/>
+              </a:defRPr>
+            </a:lvl9pPr>
+          </a:lstStyle>
+          <a:p>
+            <a:pPr marL="0" indent="0" algn="ctr">
+              <a:buFont typeface="Wingdings 3" charset="2"/>
+              <a:buNone/>
+            </a:pPr>
+            <a:r>
+              <a:rPr lang="en-US" sz="2400" b="1" dirty="0"/>
+              <a:t>Predicting Male Decisions</a:t>
+            </a:r>
+          </a:p>
+          <a:p>
+            <a:r>
+              <a:rPr lang="en-US" b="1" dirty="0"/>
+              <a:t>Attractiveness</a:t>
+            </a:r>
+          </a:p>
+          <a:p>
+            <a:r>
+              <a:rPr lang="en-US" b="1" dirty="0"/>
+              <a:t>Shared Interests</a:t>
+            </a:r>
+          </a:p>
+          <a:p>
+            <a:r>
+              <a:rPr lang="en-US" b="1" dirty="0"/>
+              <a:t>Fun</a:t>
+            </a:r>
+          </a:p>
+          <a:p>
+            <a:endParaRPr lang="en-US" b="1" dirty="0"/>
+          </a:p>
+        </p:txBody>
+      </p:sp>
+      <p:sp>
+        <p:nvSpPr>
+          <p:cNvPr id="5" name="Content Placeholder 2"/>
+          <p:cNvSpPr txBox="1">
+            <a:spLocks/>
+          </p:cNvSpPr>
+          <p:nvPr/>
+        </p:nvSpPr>
+        <p:spPr>
+          <a:xfrm>
+            <a:off x="4694872" y="2415875"/>
+            <a:ext cx="3204528" cy="4195481"/>
+          </a:xfrm>
+          <a:prstGeom prst="rect">
+            <a:avLst/>
+          </a:prstGeom>
+        </p:spPr>
+        <p:txBody>
+          <a:bodyPr vert="horz" lIns="91440" tIns="45720" rIns="91440" bIns="45720" rtlCol="0">
+            <a:normAutofit/>
+          </a:bodyPr>
+          <a:lstStyle>
+            <a:lvl1pPr marL="342900" indent="-342900" algn="l" defTabSz="457200" rtl="0" eaLnBrk="1" latinLnBrk="0" hangingPunct="1">
+              <a:spcBef>
+                <a:spcPts val="1000"/>
+              </a:spcBef>
+              <a:spcAft>
+                <a:spcPts val="0"/>
+              </a:spcAft>
+              <a:buClr>
+                <a:schemeClr val="bg2">
+                  <a:lumMod val="40000"/>
+                  <a:lumOff val="60000"/>
+                </a:schemeClr>
+              </a:buClr>
+              <a:buSzPct val="80000"/>
+              <a:buFont typeface="Wingdings 3" charset="2"/>
+              <a:buChar char=""/>
+              <a:defRPr sz="2000" b="0" i="0" kern="1200">
+                <a:solidFill>
+                  <a:schemeClr val="tx1"/>
+                </a:solidFill>
+                <a:latin typeface="+mj-lt"/>
+                <a:ea typeface="+mj-ea"/>
+                <a:cs typeface="+mj-cs"/>
+              </a:defRPr>
+            </a:lvl1pPr>
+            <a:lvl2pPr marL="742950" indent="-285750" algn="l" defTabSz="457200" rtl="0" eaLnBrk="1" latinLnBrk="0" hangingPunct="1">
+              <a:spcBef>
+                <a:spcPts val="1000"/>
+              </a:spcBef>
+              <a:spcAft>
+                <a:spcPts val="0"/>
+              </a:spcAft>
+              <a:buClr>
+                <a:schemeClr val="bg2">
+                  <a:lumMod val="40000"/>
+                  <a:lumOff val="60000"/>
+                </a:schemeClr>
+              </a:buClr>
+              <a:buSzPct val="80000"/>
+              <a:buFont typeface="Wingdings 3" charset="2"/>
+              <a:buChar char=""/>
+              <a:defRPr sz="1800" b="0" i="0" kern="1200">
+                <a:solidFill>
+                  <a:schemeClr val="tx1"/>
+                </a:solidFill>
+                <a:latin typeface="+mj-lt"/>
+                <a:ea typeface="+mj-ea"/>
+                <a:cs typeface="+mj-cs"/>
+              </a:defRPr>
+            </a:lvl2pPr>
+            <a:lvl3pPr marL="1143000" indent="-228600" algn="l" defTabSz="457200" rtl="0" eaLnBrk="1" latinLnBrk="0" hangingPunct="1">
+              <a:spcBef>
+                <a:spcPts val="1000"/>
+              </a:spcBef>
+              <a:spcAft>
+                <a:spcPts val="0"/>
+              </a:spcAft>
+              <a:buClr>
+                <a:schemeClr val="bg2">
+                  <a:lumMod val="40000"/>
+                  <a:lumOff val="60000"/>
+                </a:schemeClr>
+              </a:buClr>
+              <a:buSzPct val="80000"/>
+              <a:buFont typeface="Wingdings 3" charset="2"/>
+              <a:buChar char=""/>
+              <a:defRPr sz="1600" b="0" i="0" kern="1200">
+                <a:solidFill>
+                  <a:schemeClr val="tx1"/>
+                </a:solidFill>
+                <a:latin typeface="+mj-lt"/>
+                <a:ea typeface="+mj-ea"/>
+                <a:cs typeface="+mj-cs"/>
+              </a:defRPr>
+            </a:lvl3pPr>
+            <a:lvl4pPr marL="1600200" indent="-228600" algn="l" defTabSz="457200" rtl="0" eaLnBrk="1" latinLnBrk="0" hangingPunct="1">
+              <a:spcBef>
+                <a:spcPts val="1000"/>
+              </a:spcBef>
+              <a:spcAft>
+                <a:spcPts val="0"/>
+              </a:spcAft>
+              <a:buClr>
+                <a:schemeClr val="bg2">
+                  <a:lumMod val="40000"/>
+                  <a:lumOff val="60000"/>
+                </a:schemeClr>
+              </a:buClr>
+              <a:buSzPct val="80000"/>
+              <a:buFont typeface="Wingdings 3" charset="2"/>
+              <a:buChar char=""/>
+              <a:defRPr sz="1400" b="0" i="0" kern="1200">
+                <a:solidFill>
+                  <a:schemeClr val="tx1"/>
+                </a:solidFill>
+                <a:latin typeface="+mj-lt"/>
+                <a:ea typeface="+mj-ea"/>
+                <a:cs typeface="+mj-cs"/>
+              </a:defRPr>
+            </a:lvl4pPr>
+            <a:lvl5pPr marL="2057400" indent="-228600" algn="l" defTabSz="457200" rtl="0" eaLnBrk="1" latinLnBrk="0" hangingPunct="1">
+              <a:spcBef>
+                <a:spcPts val="1000"/>
+              </a:spcBef>
+              <a:spcAft>
+                <a:spcPts val="0"/>
+              </a:spcAft>
+              <a:buClr>
+                <a:schemeClr val="bg2">
+                  <a:lumMod val="40000"/>
+                  <a:lumOff val="60000"/>
+                </a:schemeClr>
+              </a:buClr>
+              <a:buSzPct val="80000"/>
+              <a:buFont typeface="Wingdings 3" charset="2"/>
+              <a:buChar char=""/>
+              <a:defRPr sz="1400" b="0" i="0" kern="1200">
+                <a:solidFill>
+                  <a:schemeClr val="tx1"/>
+                </a:solidFill>
+                <a:latin typeface="+mj-lt"/>
+                <a:ea typeface="+mj-ea"/>
+                <a:cs typeface="+mj-cs"/>
+              </a:defRPr>
+            </a:lvl5pPr>
+            <a:lvl6pPr marL="2506000" indent="-228600" algn="l" defTabSz="457200" rtl="0" eaLnBrk="1" latinLnBrk="0" hangingPunct="1">
+              <a:spcBef>
+                <a:spcPts val="1000"/>
+              </a:spcBef>
+              <a:spcAft>
+                <a:spcPts val="0"/>
+              </a:spcAft>
+              <a:buClr>
+                <a:schemeClr val="bg2">
+                  <a:lumMod val="40000"/>
+                  <a:lumOff val="60000"/>
+                </a:schemeClr>
+              </a:buClr>
+              <a:buSzPct val="80000"/>
+              <a:buFont typeface="Wingdings 3" charset="2"/>
+              <a:buChar char=""/>
+              <a:defRPr sz="1400" b="0" i="0" kern="1200">
+                <a:solidFill>
+                  <a:schemeClr val="tx1"/>
+                </a:solidFill>
+                <a:latin typeface="+mj-lt"/>
+                <a:ea typeface="+mj-ea"/>
+                <a:cs typeface="+mj-cs"/>
+              </a:defRPr>
+            </a:lvl6pPr>
+            <a:lvl7pPr marL="2971800" indent="-228600" algn="l" defTabSz="457200" rtl="0" eaLnBrk="1" latinLnBrk="0" hangingPunct="1">
+              <a:spcBef>
+                <a:spcPts val="1000"/>
+              </a:spcBef>
+              <a:spcAft>
+                <a:spcPts val="0"/>
+              </a:spcAft>
+              <a:buClr>
+                <a:schemeClr val="bg2">
+                  <a:lumMod val="40000"/>
+                  <a:lumOff val="60000"/>
+                </a:schemeClr>
+              </a:buClr>
+              <a:buSzPct val="80000"/>
+              <a:buFont typeface="Wingdings 3" charset="2"/>
+              <a:buChar char=""/>
+              <a:defRPr sz="1400" b="0" i="0" kern="1200">
+                <a:solidFill>
+                  <a:schemeClr val="tx1"/>
+                </a:solidFill>
+                <a:latin typeface="+mj-lt"/>
+                <a:ea typeface="+mj-ea"/>
+                <a:cs typeface="+mj-cs"/>
+              </a:defRPr>
+            </a:lvl7pPr>
+            <a:lvl8pPr marL="3429000" indent="-228600" algn="l" defTabSz="457200" rtl="0" eaLnBrk="1" latinLnBrk="0" hangingPunct="1">
+              <a:spcBef>
+                <a:spcPts val="1000"/>
+              </a:spcBef>
+              <a:spcAft>
+                <a:spcPts val="0"/>
+              </a:spcAft>
+              <a:buClr>
+                <a:schemeClr val="bg2">
+                  <a:lumMod val="40000"/>
+                  <a:lumOff val="60000"/>
+                </a:schemeClr>
+              </a:buClr>
+              <a:buSzPct val="80000"/>
+              <a:buFont typeface="Wingdings 3" charset="2"/>
+              <a:buChar char=""/>
+              <a:defRPr sz="1400" b="0" i="0" kern="1200">
+                <a:solidFill>
+                  <a:schemeClr val="tx1"/>
+                </a:solidFill>
+                <a:latin typeface="+mj-lt"/>
+                <a:ea typeface="+mj-ea"/>
+                <a:cs typeface="+mj-cs"/>
+              </a:defRPr>
+            </a:lvl8pPr>
+            <a:lvl9pPr marL="3886200" indent="-228600" algn="l" defTabSz="457200" rtl="0" eaLnBrk="1" latinLnBrk="0" hangingPunct="1">
+              <a:spcBef>
+                <a:spcPts val="1000"/>
+              </a:spcBef>
+              <a:spcAft>
+                <a:spcPts val="0"/>
+              </a:spcAft>
+              <a:buClr>
+                <a:schemeClr val="bg2">
+                  <a:lumMod val="40000"/>
+                  <a:lumOff val="60000"/>
+                </a:schemeClr>
+              </a:buClr>
+              <a:buSzPct val="80000"/>
+              <a:buFont typeface="Wingdings 3" charset="2"/>
+              <a:buChar char=""/>
+              <a:defRPr sz="1400" b="0" i="0" kern="1200">
+                <a:solidFill>
+                  <a:schemeClr val="tx1"/>
+                </a:solidFill>
+                <a:latin typeface="+mj-lt"/>
+                <a:ea typeface="+mj-ea"/>
+                <a:cs typeface="+mj-cs"/>
+              </a:defRPr>
+            </a:lvl9pPr>
+          </a:lstStyle>
+          <a:p>
+            <a:pPr marL="0" indent="0" algn="ctr">
+              <a:buFont typeface="Wingdings 3" charset="2"/>
+              <a:buNone/>
+            </a:pPr>
+            <a:r>
+              <a:rPr lang="en-US" sz="2400" b="1" dirty="0"/>
+              <a:t>Predicting Female Decisions</a:t>
+            </a:r>
+          </a:p>
+          <a:p>
+            <a:r>
+              <a:rPr lang="en-US" b="1" dirty="0"/>
+              <a:t>Shared Interests</a:t>
+            </a:r>
+          </a:p>
+          <a:p>
+            <a:r>
+              <a:rPr lang="en-US" b="1" dirty="0"/>
+              <a:t>Fun</a:t>
+            </a:r>
+          </a:p>
+          <a:p>
+            <a:r>
+              <a:rPr lang="en-US" b="1" dirty="0"/>
+              <a:t>Attractiveness</a:t>
+            </a:r>
+          </a:p>
+          <a:p>
+            <a:endParaRPr lang="en-US" b="1" dirty="0"/>
+          </a:p>
+        </p:txBody>
+      </p:sp>
+    </p:spTree>
+    <p:extLst>
+      <p:ext uri="{BB962C8B-B14F-4D97-AF65-F5344CB8AC3E}">
+        <p14:creationId xmlns:p14="http://schemas.microsoft.com/office/powerpoint/2010/main" val="3431731398"/>
+      </p:ext>
+    </p:extLst>
+  </p:cSld>
+  <p:clrMapOvr>
+    <a:masterClrMapping/>
+  </p:clrMapOvr>
+  <p:timing>
+    <p:tnLst>
+      <p:par>
+        <p:cTn id="1" dur="indefinite" restart="never" nodeType="tmRoot">
+          <p:childTnLst>
+            <p:seq concurrent="1" nextAc="seek">
+              <p:cTn id="2" dur="indefinite" nodeType="mainSeq">
+                <p:childTnLst>
+                  <p:par>
+                    <p:cTn id="3" fill="hold">
+                      <p:stCondLst>
+                        <p:cond delay="indefinite"/>
+                      </p:stCondLst>
+                      <p:childTnLst>
+                        <p:par>
+                          <p:cTn id="4" fill="hold">
+                            <p:stCondLst>
+                              <p:cond delay="0"/>
+                            </p:stCondLst>
+                            <p:childTnLst>
+                              <p:par>
+                                <p:cTn id="5" presetID="1" presetClass="entr" presetSubtype="0" fill="hold" grpId="0" nodeType="clickEffect">
+                                  <p:stCondLst>
+                                    <p:cond delay="0"/>
+                                  </p:stCondLst>
+                                  <p:childTnLst>
+                                    <p:set>
+                                      <p:cBhvr>
+                                        <p:cTn id="6" dur="1" fill="hold">
+                                          <p:stCondLst>
+                                            <p:cond delay="0"/>
+                                          </p:stCondLst>
+                                        </p:cTn>
+                                        <p:tgtEl>
+                                          <p:spTgt spid="3">
+                                            <p:txEl>
+                                              <p:pRg st="0" end="0"/>
+                                            </p:txEl>
+                                          </p:spTgt>
+                                        </p:tgtEl>
+                                        <p:attrNameLst>
+                                          <p:attrName>style.visibility</p:attrName>
+                                        </p:attrNameLst>
+                                      </p:cBhvr>
+                                      <p:to>
+                                        <p:strVal val="visible"/>
+                                      </p:to>
+                                    </p:set>
+                                  </p:childTnLst>
+                                </p:cTn>
+                              </p:par>
+                            </p:childTnLst>
+                          </p:cTn>
+                        </p:par>
+                      </p:childTnLst>
+                    </p:cTn>
+                  </p:par>
+                  <p:par>
+                    <p:cTn id="7" fill="hold">
+                      <p:stCondLst>
+                        <p:cond delay="indefinite"/>
+                      </p:stCondLst>
+                      <p:childTnLst>
+                        <p:par>
+                          <p:cTn id="8" fill="hold">
+                            <p:stCondLst>
+                              <p:cond delay="0"/>
+                            </p:stCondLst>
+                            <p:childTnLst>
+                              <p:par>
+                                <p:cTn id="9" presetID="1" presetClass="entr" presetSubtype="0" fill="hold" grpId="0" nodeType="clickEffect">
+                                  <p:stCondLst>
+                                    <p:cond delay="0"/>
+                                  </p:stCondLst>
+                                  <p:childTnLst>
+                                    <p:set>
+                                      <p:cBhvr>
+                                        <p:cTn id="10" dur="1" fill="hold">
+                                          <p:stCondLst>
+                                            <p:cond delay="0"/>
+                                          </p:stCondLst>
+                                        </p:cTn>
+                                        <p:tgtEl>
+                                          <p:spTgt spid="3">
+                                            <p:txEl>
+                                              <p:pRg st="2" end="2"/>
+                                            </p:txEl>
+                                          </p:spTgt>
+                                        </p:tgtEl>
+                                        <p:attrNameLst>
+                                          <p:attrName>style.visibility</p:attrName>
+                                        </p:attrNameLst>
+                                      </p:cBhvr>
+                                      <p:to>
+                                        <p:strVal val="visible"/>
+                                      </p:to>
+                                    </p:set>
+                                  </p:childTnLst>
+                                </p:cTn>
+                              </p:par>
+                              <p:par>
+                                <p:cTn id="11" presetID="1" presetClass="entr" presetSubtype="0" fill="hold" grpId="0" nodeType="withEffect">
+                                  <p:stCondLst>
+                                    <p:cond delay="0"/>
+                                  </p:stCondLst>
+                                  <p:childTnLst>
+                                    <p:set>
+                                      <p:cBhvr>
+                                        <p:cTn id="12" dur="1" fill="hold">
+                                          <p:stCondLst>
+                                            <p:cond delay="0"/>
+                                          </p:stCondLst>
+                                        </p:cTn>
+                                        <p:tgtEl>
+                                          <p:spTgt spid="3">
+                                            <p:txEl>
+                                              <p:pRg st="3" end="3"/>
+                                            </p:txEl>
+                                          </p:spTgt>
+                                        </p:tgtEl>
+                                        <p:attrNameLst>
+                                          <p:attrName>style.visibility</p:attrName>
+                                        </p:attrNameLst>
+                                      </p:cBhvr>
+                                      <p:to>
+                                        <p:strVal val="visible"/>
+                                      </p:to>
+                                    </p:set>
+                                  </p:childTnLst>
+                                </p:cTn>
+                              </p:par>
+                              <p:par>
+                                <p:cTn id="13" presetID="1" presetClass="entr" presetSubtype="0" fill="hold" grpId="0" nodeType="withEffect">
+                                  <p:stCondLst>
+                                    <p:cond delay="0"/>
+                                  </p:stCondLst>
+                                  <p:childTnLst>
+                                    <p:set>
+                                      <p:cBhvr>
+                                        <p:cTn id="14" dur="1" fill="hold">
+                                          <p:stCondLst>
+                                            <p:cond delay="0"/>
+                                          </p:stCondLst>
+                                        </p:cTn>
+                                        <p:tgtEl>
+                                          <p:spTgt spid="3">
+                                            <p:txEl>
+                                              <p:pRg st="4" end="4"/>
+                                            </p:txEl>
+                                          </p:spTgt>
+                                        </p:tgtEl>
+                                        <p:attrNameLst>
+                                          <p:attrName>style.visibility</p:attrName>
+                                        </p:attrNameLst>
+                                      </p:cBhvr>
+                                      <p:to>
+                                        <p:strVal val="visible"/>
+                                      </p:to>
+                                    </p:set>
+                                  </p:childTnLst>
+                                </p:cTn>
+                              </p:par>
+                              <p:par>
+                                <p:cTn id="15" presetID="1" presetClass="entr" presetSubtype="0" fill="hold" grpId="0" nodeType="withEffect">
+                                  <p:stCondLst>
+                                    <p:cond delay="0"/>
+                                  </p:stCondLst>
+                                  <p:childTnLst>
+                                    <p:set>
+                                      <p:cBhvr>
+                                        <p:cTn id="16" dur="1" fill="hold">
+                                          <p:stCondLst>
+                                            <p:cond delay="0"/>
+                                          </p:stCondLst>
+                                        </p:cTn>
+                                        <p:tgtEl>
+                                          <p:spTgt spid="3">
+                                            <p:txEl>
+                                              <p:pRg st="5" end="5"/>
+                                            </p:txEl>
+                                          </p:spTgt>
+                                        </p:tgtEl>
+                                        <p:attrNameLst>
+                                          <p:attrName>style.visibility</p:attrName>
+                                        </p:attrNameLst>
+                                      </p:cBhvr>
+                                      <p:to>
+                                        <p:strVal val="visible"/>
+                                      </p:to>
+                                    </p:set>
+                                  </p:childTnLst>
+                                </p:cTn>
+                              </p:par>
+                            </p:childTnLst>
+                          </p:cTn>
+                        </p:par>
+                      </p:childTnLst>
+                    </p:cTn>
+                  </p:par>
+                  <p:par>
+                    <p:cTn id="17" fill="hold">
+                      <p:stCondLst>
+                        <p:cond delay="indefinite"/>
+                      </p:stCondLst>
+                      <p:childTnLst>
+                        <p:par>
+                          <p:cTn id="18" fill="hold">
+                            <p:stCondLst>
+                              <p:cond delay="0"/>
+                            </p:stCondLst>
+                            <p:childTnLst>
+                              <p:par>
+                                <p:cTn id="19" presetID="1" presetClass="entr" presetSubtype="0" fill="hold" grpId="0" nodeType="clickEffect">
+                                  <p:stCondLst>
+                                    <p:cond delay="0"/>
+                                  </p:stCondLst>
+                                  <p:childTnLst>
+                                    <p:set>
+                                      <p:cBhvr>
+                                        <p:cTn id="20" dur="1" fill="hold">
+                                          <p:stCondLst>
+                                            <p:cond delay="0"/>
+                                          </p:stCondLst>
+                                        </p:cTn>
+                                        <p:tgtEl>
+                                          <p:spTgt spid="5"/>
+                                        </p:tgtEl>
+                                        <p:attrNameLst>
+                                          <p:attrName>style.visibility</p:attrName>
+                                        </p:attrNameLst>
+                                      </p:cBhvr>
+                                      <p:to>
+                                        <p:strVal val="visible"/>
+                                      </p:to>
+                                    </p:set>
+                                  </p:childTnLst>
+                                </p:cTn>
+                              </p:par>
+                            </p:childTnLst>
+                          </p:cTn>
+                        </p:par>
+                      </p:childTnLst>
+                    </p:cTn>
+                  </p:par>
+                  <p:par>
+                    <p:cTn id="21" fill="hold">
+                      <p:stCondLst>
+                        <p:cond delay="indefinite"/>
+                      </p:stCondLst>
+                      <p:childTnLst>
+                        <p:par>
+                          <p:cTn id="22" fill="hold">
+                            <p:stCondLst>
+                              <p:cond delay="0"/>
+                            </p:stCondLst>
+                            <p:childTnLst>
+                              <p:par>
+                                <p:cTn id="23" presetID="1" presetClass="entr" presetSubtype="0" fill="hold" nodeType="clickEffect">
+                                  <p:stCondLst>
+                                    <p:cond delay="0"/>
+                                  </p:stCondLst>
+                                  <p:childTnLst>
+                                    <p:set>
+                                      <p:cBhvr>
+                                        <p:cTn id="24" dur="1" fill="hold">
+                                          <p:stCondLst>
+                                            <p:cond delay="0"/>
+                                          </p:stCondLst>
+                                        </p:cTn>
+                                        <p:tgtEl>
+                                          <p:spTgt spid="5">
+                                            <p:txEl>
+                                              <p:pRg st="1" end="1"/>
+                                            </p:txEl>
+                                          </p:spTgt>
+                                        </p:tgtEl>
+                                        <p:attrNameLst>
+                                          <p:attrName>style.visibility</p:attrName>
+                                        </p:attrNameLst>
+                                      </p:cBhvr>
+                                      <p:to>
+                                        <p:strVal val="visible"/>
+                                      </p:to>
+                                    </p:set>
+                                  </p:childTnLst>
+                                </p:cTn>
+                              </p:par>
+                              <p:par>
+                                <p:cTn id="25" presetID="1" presetClass="entr" presetSubtype="0" fill="hold" nodeType="withEffect">
+                                  <p:stCondLst>
+                                    <p:cond delay="0"/>
+                                  </p:stCondLst>
+                                  <p:childTnLst>
+                                    <p:set>
+                                      <p:cBhvr>
+                                        <p:cTn id="26" dur="1" fill="hold">
+                                          <p:stCondLst>
+                                            <p:cond delay="0"/>
+                                          </p:stCondLst>
+                                        </p:cTn>
+                                        <p:tgtEl>
+                                          <p:spTgt spid="5">
+                                            <p:txEl>
+                                              <p:pRg st="2" end="2"/>
+                                            </p:txEl>
+                                          </p:spTgt>
+                                        </p:tgtEl>
+                                        <p:attrNameLst>
+                                          <p:attrName>style.visibility</p:attrName>
+                                        </p:attrNameLst>
+                                      </p:cBhvr>
+                                      <p:to>
+                                        <p:strVal val="visible"/>
+                                      </p:to>
+                                    </p:set>
+                                  </p:childTnLst>
+                                </p:cTn>
+                              </p:par>
+                              <p:par>
+                                <p:cTn id="27" presetID="1" presetClass="entr" presetSubtype="0" fill="hold" nodeType="withEffect">
+                                  <p:stCondLst>
+                                    <p:cond delay="0"/>
+                                  </p:stCondLst>
+                                  <p:childTnLst>
+                                    <p:set>
+                                      <p:cBhvr>
+                                        <p:cTn id="28" dur="1" fill="hold">
+                                          <p:stCondLst>
+                                            <p:cond delay="0"/>
+                                          </p:stCondLst>
+                                        </p:cTn>
+                                        <p:tgtEl>
+                                          <p:spTgt spid="5">
+                                            <p:txEl>
+                                              <p:pRg st="3" end="3"/>
+                                            </p:txEl>
+                                          </p:spTgt>
+                                        </p:tgtEl>
+                                        <p:attrNameLst>
+                                          <p:attrName>style.visibility</p:attrName>
+                                        </p:attrNameLst>
+                                      </p:cBhvr>
+                                      <p:to>
+                                        <p:strVal val="visible"/>
+                                      </p:to>
+                                    </p:set>
+                                  </p:childTnLst>
+                                </p:cTn>
+                              </p:par>
+                            </p:childTnLst>
+                          </p:cTn>
+                        </p:par>
+                      </p:childTnLst>
+                    </p:cTn>
+                  </p:par>
+                  <p:par>
+                    <p:cTn id="29" fill="hold">
+                      <p:stCondLst>
+                        <p:cond delay="indefinite"/>
+                      </p:stCondLst>
+                      <p:childTnLst>
+                        <p:par>
+                          <p:cTn id="30" fill="hold">
+                            <p:stCondLst>
+                              <p:cond delay="0"/>
+                            </p:stCondLst>
+                            <p:childTnLst>
+                              <p:par>
+                                <p:cTn id="31" presetID="1" presetClass="entr" presetSubtype="0" fill="hold" grpId="0" nodeType="clickEffect">
+                                  <p:stCondLst>
+                                    <p:cond delay="0"/>
+                                  </p:stCondLst>
+                                  <p:childTnLst>
+                                    <p:set>
+                                      <p:cBhvr>
+                                        <p:cTn id="32" dur="1" fill="hold">
+                                          <p:stCondLst>
+                                            <p:cond delay="0"/>
+                                          </p:stCondLst>
+                                        </p:cTn>
+                                        <p:tgtEl>
+                                          <p:spTgt spid="4"/>
+                                        </p:tgtEl>
+                                        <p:attrNameLst>
+                                          <p:attrName>style.visibility</p:attrName>
+                                        </p:attrNameLst>
+                                      </p:cBhvr>
+                                      <p:to>
+                                        <p:strVal val="visible"/>
+                                      </p:to>
+                                    </p:set>
+                                  </p:childTnLst>
+                                </p:cTn>
+                              </p:par>
+                            </p:childTnLst>
+                          </p:cTn>
+                        </p:par>
+                      </p:childTnLst>
+                    </p:cTn>
+                  </p:par>
+                  <p:par>
+                    <p:cTn id="33" fill="hold">
+                      <p:stCondLst>
+                        <p:cond delay="indefinite"/>
+                      </p:stCondLst>
+                      <p:childTnLst>
+                        <p:par>
+                          <p:cTn id="34" fill="hold">
+                            <p:stCondLst>
+                              <p:cond delay="0"/>
+                            </p:stCondLst>
+                            <p:childTnLst>
+                              <p:par>
+                                <p:cTn id="35" presetID="1" presetClass="entr" presetSubtype="0" fill="hold" nodeType="clickEffect">
+                                  <p:stCondLst>
+                                    <p:cond delay="0"/>
+                                  </p:stCondLst>
+                                  <p:childTnLst>
+                                    <p:set>
+                                      <p:cBhvr>
+                                        <p:cTn id="36" dur="1" fill="hold">
+                                          <p:stCondLst>
+                                            <p:cond delay="0"/>
+                                          </p:stCondLst>
+                                        </p:cTn>
+                                        <p:tgtEl>
+                                          <p:spTgt spid="4">
+                                            <p:txEl>
+                                              <p:pRg st="1" end="1"/>
+                                            </p:txEl>
+                                          </p:spTgt>
+                                        </p:tgtEl>
+                                        <p:attrNameLst>
+                                          <p:attrName>style.visibility</p:attrName>
+                                        </p:attrNameLst>
+                                      </p:cBhvr>
+                                      <p:to>
+                                        <p:strVal val="visible"/>
+                                      </p:to>
+                                    </p:set>
+                                  </p:childTnLst>
+                                </p:cTn>
+                              </p:par>
+                              <p:par>
+                                <p:cTn id="37" presetID="1" presetClass="entr" presetSubtype="0" fill="hold" nodeType="withEffect">
+                                  <p:stCondLst>
+                                    <p:cond delay="0"/>
+                                  </p:stCondLst>
+                                  <p:childTnLst>
+                                    <p:set>
+                                      <p:cBhvr>
+                                        <p:cTn id="38" dur="1" fill="hold">
+                                          <p:stCondLst>
+                                            <p:cond delay="0"/>
+                                          </p:stCondLst>
+                                        </p:cTn>
+                                        <p:tgtEl>
+                                          <p:spTgt spid="4">
+                                            <p:txEl>
+                                              <p:pRg st="2" end="2"/>
+                                            </p:txEl>
+                                          </p:spTgt>
+                                        </p:tgtEl>
+                                        <p:attrNameLst>
+                                          <p:attrName>style.visibility</p:attrName>
+                                        </p:attrNameLst>
+                                      </p:cBhvr>
+                                      <p:to>
+                                        <p:strVal val="visible"/>
+                                      </p:to>
+                                    </p:set>
+                                  </p:childTnLst>
+                                </p:cTn>
+                              </p:par>
+                              <p:par>
+                                <p:cTn id="39" presetID="1" presetClass="entr" presetSubtype="0" fill="hold" nodeType="withEffect">
+                                  <p:stCondLst>
+                                    <p:cond delay="0"/>
+                                  </p:stCondLst>
+                                  <p:childTnLst>
+                                    <p:set>
+                                      <p:cBhvr>
+                                        <p:cTn id="40" dur="1" fill="hold">
+                                          <p:stCondLst>
+                                            <p:cond delay="0"/>
+                                          </p:stCondLst>
+                                        </p:cTn>
+                                        <p:tgtEl>
+                                          <p:spTgt spid="4">
+                                            <p:txEl>
+                                              <p:pRg st="3" end="3"/>
+                                            </p:txEl>
+                                          </p:spTgt>
+                                        </p:tgtEl>
+                                        <p:attrNameLst>
+                                          <p:attrName>style.visibility</p:attrName>
+                                        </p:attrNameLst>
+                                      </p:cBhvr>
+                                      <p:to>
+                                        <p:strVal val="visible"/>
+                                      </p:to>
+                                    </p:set>
+                                  </p:childTnLst>
+                                </p:cTn>
+                              </p:par>
+                            </p:childTnLst>
+                          </p:cTn>
+                        </p:par>
+                      </p:childTnLst>
+                    </p:cTn>
+                  </p:par>
+                </p:childTnLst>
+              </p:cTn>
+              <p:prevCondLst>
+                <p:cond evt="onPrev" delay="0">
+                  <p:tgtEl>
+                    <p:sldTgt/>
+                  </p:tgtEl>
+                </p:cond>
+              </p:prevCondLst>
+              <p:nextCondLst>
+                <p:cond evt="onNext" delay="0">
+                  <p:tgtEl>
+                    <p:sldTgt/>
+                  </p:tgtEl>
+                </p:cond>
+              </p:nextCondLst>
+            </p:seq>
+          </p:childTnLst>
+        </p:cTn>
+      </p:par>
+    </p:tnLst>
+    <p:bldLst>
+      <p:bldP spid="3" grpId="0" uiExpand="1" build="p"/>
+      <p:bldP spid="4" grpId="0"/>
+      <p:bldP spid="5" grpId="0"/>
+    </p:bldLst>
+  </p:timing>
+</p:sld>
+</file>
+
 <file path=ppt/slides/slide2.xml><?xml version="1.0" encoding="utf-8"?>
 <p:sld xmlns:a="http://schemas.openxmlformats.org/drawingml/2006/main" xmlns:r="http://schemas.openxmlformats.org/officeDocument/2006/relationships" xmlns:p="http://schemas.openxmlformats.org/presentationml/2006/main">
   <p:cSld>
@@ -21937,6 +25253,66 @@
           </a:graphicData>
         </a:graphic>
       </p:graphicFrame>
+      <p:graphicFrame>
+        <p:nvGraphicFramePr>
+          <p:cNvPr id="7" name="Chart 6">
+            <a:extLst>
+              <a:ext uri="{FF2B5EF4-FFF2-40B4-BE49-F238E27FC236}">
+                <a16:creationId xmlns:a16="http://schemas.microsoft.com/office/drawing/2014/main" id="{182DA2F0-1EF5-4457-AD0C-0740476CE8C0}"/>
+              </a:ext>
+            </a:extLst>
+          </p:cNvPr>
+          <p:cNvGraphicFramePr>
+            <a:graphicFrameLocks/>
+          </p:cNvGraphicFramePr>
+          <p:nvPr>
+            <p:extLst>
+              <p:ext uri="{D42A27DB-BD31-4B8C-83A1-F6EECF244321}">
+                <p14:modId xmlns:p14="http://schemas.microsoft.com/office/powerpoint/2010/main" val="7698660"/>
+              </p:ext>
+            </p:extLst>
+          </p:nvPr>
+        </p:nvGraphicFramePr>
+        <p:xfrm>
+          <a:off x="469038" y="1142271"/>
+          <a:ext cx="5123318" cy="4405087"/>
+        </p:xfrm>
+        <a:graphic>
+          <a:graphicData uri="http://schemas.openxmlformats.org/drawingml/2006/chart">
+            <c:chart xmlns:c="http://schemas.openxmlformats.org/drawingml/2006/chart" xmlns:r="http://schemas.openxmlformats.org/officeDocument/2006/relationships" r:id="rId4"/>
+          </a:graphicData>
+        </a:graphic>
+      </p:graphicFrame>
+      <p:graphicFrame>
+        <p:nvGraphicFramePr>
+          <p:cNvPr id="8" name="Chart 7">
+            <a:extLst>
+              <a:ext uri="{FF2B5EF4-FFF2-40B4-BE49-F238E27FC236}">
+                <a16:creationId xmlns:a16="http://schemas.microsoft.com/office/drawing/2014/main" id="{93AA87C5-979E-40FB-810C-5C2981A8421F}"/>
+              </a:ext>
+            </a:extLst>
+          </p:cNvPr>
+          <p:cNvGraphicFramePr>
+            <a:graphicFrameLocks/>
+          </p:cNvGraphicFramePr>
+          <p:nvPr>
+            <p:extLst>
+              <p:ext uri="{D42A27DB-BD31-4B8C-83A1-F6EECF244321}">
+                <p14:modId xmlns:p14="http://schemas.microsoft.com/office/powerpoint/2010/main" val="1120530612"/>
+              </p:ext>
+            </p:extLst>
+          </p:nvPr>
+        </p:nvGraphicFramePr>
+        <p:xfrm>
+          <a:off x="6636157" y="1142270"/>
+          <a:ext cx="5123319" cy="4405087"/>
+        </p:xfrm>
+        <a:graphic>
+          <a:graphicData uri="http://schemas.openxmlformats.org/drawingml/2006/chart">
+            <c:chart xmlns:c="http://schemas.openxmlformats.org/drawingml/2006/chart" xmlns:r="http://schemas.openxmlformats.org/officeDocument/2006/relationships" r:id="rId5"/>
+          </a:graphicData>
+        </a:graphic>
+      </p:graphicFrame>
     </p:spTree>
     <p:extLst>
       <p:ext uri="{BB962C8B-B14F-4D97-AF65-F5344CB8AC3E}">
@@ -22027,7 +25403,7 @@
           <a:p>
             <a:r>
               <a:rPr lang="en-US" b="1" dirty="0"/>
-              <a:t>A basic logistic regression using just one feature proved quite accurate</a:t>
+              <a:t>A basic logistic regression using just one feature predicted both matches and decisions with over 70% accuracy</a:t>
             </a:r>
           </a:p>
           <a:p>
